--- a/challenges/overlapping_chunks/OverlappingChunks.pptx
+++ b/challenges/overlapping_chunks/OverlappingChunks.pptx
@@ -11,9 +11,9 @@
     <p:sldId id="327" r:id="rId2"/>
     <p:sldId id="360" r:id="rId3"/>
     <p:sldId id="441" r:id="rId4"/>
-    <p:sldId id="450" r:id="rId5"/>
-    <p:sldId id="453" r:id="rId6"/>
-    <p:sldId id="454" r:id="rId7"/>
+    <p:sldId id="453" r:id="rId5"/>
+    <p:sldId id="454" r:id="rId6"/>
+    <p:sldId id="450" r:id="rId7"/>
     <p:sldId id="456" r:id="rId8"/>
     <p:sldId id="352" r:id="rId9"/>
     <p:sldId id="457" r:id="rId10"/>
@@ -7718,7 +7718,7 @@
         <a:lstStyle/>
         <a:p>
           <a:r>
-            <a:rPr lang="en-US"/>
+            <a:rPr lang="en-US" dirty="0"/>
             <a:t>Overlap chunks with each other</a:t>
           </a:r>
         </a:p>
@@ -8213,7 +8213,7 @@
 <dgm:dataModel xmlns:dgm="http://schemas.openxmlformats.org/drawingml/2006/diagram" xmlns:a="http://schemas.openxmlformats.org/drawingml/2006/main">
   <dgm:ptLst>
     <dgm:pt modelId="{D7703957-F268-4381-8B72-FA9B7644E8FA}" type="doc">
-      <dgm:prSet loTypeId="urn:microsoft.com/office/officeart/2016/7/layout/BasicLinearProcessNumbered" loCatId="process" qsTypeId="urn:microsoft.com/office/officeart/2005/8/quickstyle/simple2" qsCatId="simple" csTypeId="urn:microsoft.com/office/officeart/2005/8/colors/accent1_2" csCatId="accent1"/>
+      <dgm:prSet loTypeId="urn:microsoft.com/office/officeart/2016/7/layout/BasicLinearProcessNumbered" loCatId="process" qsTypeId="urn:microsoft.com/office/officeart/2005/8/quickstyle/simple2" qsCatId="simple" csTypeId="urn:microsoft.com/office/officeart/2005/8/colors/accent1_2" csCatId="accent1" phldr="1"/>
       <dgm:spPr/>
       <dgm:t>
         <a:bodyPr/>
@@ -8231,16 +8231,16 @@
         <a:lstStyle/>
         <a:p>
           <a:r>
-            <a:rPr lang="en-US"/>
+            <a:rPr lang="en-US" dirty="0"/>
             <a:t>Corrupt </a:t>
           </a:r>
           <a:r>
-            <a:rPr lang="en-US" b="1" i="1"/>
+            <a:rPr lang="en-US" b="1" i="1" dirty="0"/>
             <a:t>Size</a:t>
           </a:r>
           <a:r>
-            <a:rPr lang="en-US"/>
-            <a:t> of allocated chunk</a:t>
+            <a:rPr lang="en-US" dirty="0"/>
+            <a:t> of chunk</a:t>
           </a:r>
         </a:p>
       </dgm:t>
@@ -8267,6 +8267,7 @@
             <a:rPr lang="en-US"/>
             <a:t>1</a:t>
           </a:r>
+          <a:endParaRPr lang="en-US" dirty="0"/>
         </a:p>
       </dgm:t>
     </dgm:pt>
@@ -8278,8 +8279,8 @@
         <a:lstStyle/>
         <a:p>
           <a:r>
-            <a:rPr lang="en-US"/>
-            <a:t>Free the corrupted chunk</a:t>
+            <a:rPr lang="en-US" dirty="0"/>
+            <a:t>Free the corrupted chunk (if allocated)</a:t>
           </a:r>
         </a:p>
       </dgm:t>
@@ -8384,6 +8385,79 @@
             <a:rPr lang="en-US"/>
             <a:t>4</a:t>
           </a:r>
+        </a:p>
+      </dgm:t>
+    </dgm:pt>
+    <dgm:pt modelId="{D627EAC5-4200-964B-9F48-1A7B5A69E1BC}">
+      <dgm:prSet/>
+      <dgm:spPr/>
+      <dgm:t>
+        <a:bodyPr/>
+        <a:lstStyle/>
+        <a:p>
+          <a:r>
+            <a:rPr lang="en-US" dirty="0"/>
+            <a:t>Free or allocated, depending on the bin</a:t>
+          </a:r>
+        </a:p>
+      </dgm:t>
+    </dgm:pt>
+    <dgm:pt modelId="{8F0EA825-5768-8645-A276-4491DDFE8237}" type="parTrans" cxnId="{BC4678DF-2F68-4545-9B20-34A2CC347961}">
+      <dgm:prSet/>
+      <dgm:spPr/>
+      <dgm:t>
+        <a:bodyPr/>
+        <a:lstStyle/>
+        <a:p>
+          <a:endParaRPr lang="en-US"/>
+        </a:p>
+      </dgm:t>
+    </dgm:pt>
+    <dgm:pt modelId="{D702C94C-0C83-A242-BDEE-1967C5DC58DE}" type="sibTrans" cxnId="{BC4678DF-2F68-4545-9B20-34A2CC347961}">
+      <dgm:prSet phldrT="2" phldr="0"/>
+      <dgm:spPr/>
+    </dgm:pt>
+    <dgm:pt modelId="{8939FAD2-DAD4-0C42-BF25-917093067A75}">
+      <dgm:prSet/>
+      <dgm:spPr/>
+      <dgm:t>
+        <a:bodyPr/>
+        <a:lstStyle/>
+        <a:p>
+          <a:r>
+            <a:rPr lang="en-US" dirty="0"/>
+            <a:t>For TCache, we need to corrupt an </a:t>
+          </a:r>
+          <a:r>
+            <a:rPr lang="en-US" i="1" dirty="0"/>
+            <a:t>allocated</a:t>
+          </a:r>
+          <a:r>
+            <a:rPr lang="en-US" dirty="0"/>
+            <a:t> chunk  </a:t>
+          </a:r>
+        </a:p>
+      </dgm:t>
+    </dgm:pt>
+    <dgm:pt modelId="{4EA951B2-F1A7-3445-B2C9-667094B90522}" type="parTrans" cxnId="{B7F2C423-CD82-AF47-B841-39EDE089D7F6}">
+      <dgm:prSet/>
+      <dgm:spPr/>
+      <dgm:t>
+        <a:bodyPr/>
+        <a:lstStyle/>
+        <a:p>
+          <a:endParaRPr lang="en-US"/>
+        </a:p>
+      </dgm:t>
+    </dgm:pt>
+    <dgm:pt modelId="{574CA167-91DC-9849-80A1-F677647302F9}" type="sibTrans" cxnId="{B7F2C423-CD82-AF47-B841-39EDE089D7F6}">
+      <dgm:prSet/>
+      <dgm:spPr/>
+      <dgm:t>
+        <a:bodyPr/>
+        <a:lstStyle/>
+        <a:p>
+          <a:endParaRPr lang="en-US"/>
         </a:p>
       </dgm:t>
     </dgm:pt>
@@ -8552,6 +8626,7 @@
   <dgm:cxnLst>
     <dgm:cxn modelId="{D5E6CB0A-32B2-8A4D-92E2-CE8C190EE4D1}" type="presOf" srcId="{9EFCBBC9-34B0-4DA9-A6A6-9347A937E697}" destId="{F3D60384-4B9B-4E49-89D7-BCC80A2EFB91}" srcOrd="1" destOrd="0" presId="urn:microsoft.com/office/officeart/2016/7/layout/BasicLinearProcessNumbered"/>
     <dgm:cxn modelId="{8B29460D-81B0-4808-8CAB-AEEFC8CEE5F2}" srcId="{D7703957-F268-4381-8B72-FA9B7644E8FA}" destId="{7CF53B2D-8F36-45C9-975C-4ACEEDF95281}" srcOrd="2" destOrd="0" parTransId="{8C09E1CC-E7A6-462F-89DC-F8EB290F6309}" sibTransId="{F7962572-5483-4F1D-A39B-A11DC3AFAD24}"/>
+    <dgm:cxn modelId="{B7F2C423-CD82-AF47-B841-39EDE089D7F6}" srcId="{70C77A85-1223-4E8F-BE08-54050C68C915}" destId="{8939FAD2-DAD4-0C42-BF25-917093067A75}" srcOrd="1" destOrd="0" parTransId="{4EA951B2-F1A7-3445-B2C9-667094B90522}" sibTransId="{574CA167-91DC-9849-80A1-F677647302F9}"/>
     <dgm:cxn modelId="{62A80F27-D888-624E-A9E0-49EA7CA5C9FF}" type="presOf" srcId="{70C77A85-1223-4E8F-BE08-54050C68C915}" destId="{F731F54E-96A0-0841-AAE8-06A572716188}" srcOrd="1" destOrd="0" presId="urn:microsoft.com/office/officeart/2016/7/layout/BasicLinearProcessNumbered"/>
     <dgm:cxn modelId="{8F06C22F-4B56-1F43-ACAD-A59B01D64016}" type="presOf" srcId="{9EFCBBC9-34B0-4DA9-A6A6-9347A937E697}" destId="{752BE114-E3B5-4240-8D00-C264E52E8C26}" srcOrd="0" destOrd="0" presId="urn:microsoft.com/office/officeart/2016/7/layout/BasicLinearProcessNumbered"/>
     <dgm:cxn modelId="{90268435-7D23-43B2-954A-F85B159EBDC7}" srcId="{D7703957-F268-4381-8B72-FA9B7644E8FA}" destId="{AECDC26E-EF18-4011-8F24-6F60F159CD96}" srcOrd="3" destOrd="0" parTransId="{D8ECDA7A-2273-42A4-8B55-43F337AF901B}" sibTransId="{16E7C8EE-8BCA-43ED-9255-B0D2169FABD5}"/>
@@ -8560,13 +8635,16 @@
     <dgm:cxn modelId="{4F022065-1125-5541-BAC1-A39F918D7192}" type="presOf" srcId="{65566C22-99D0-4B08-9995-928EA083A22F}" destId="{C847CC01-B559-2C40-AE80-28DE2F9B0DB8}" srcOrd="0" destOrd="0" presId="urn:microsoft.com/office/officeart/2016/7/layout/BasicLinearProcessNumbered"/>
     <dgm:cxn modelId="{F27D3D72-4420-E642-AB75-C245FB3B3557}" type="presOf" srcId="{7CF53B2D-8F36-45C9-975C-4ACEEDF95281}" destId="{B6E36780-9EBB-F94D-ADEF-D2A804125C99}" srcOrd="1" destOrd="0" presId="urn:microsoft.com/office/officeart/2016/7/layout/BasicLinearProcessNumbered"/>
     <dgm:cxn modelId="{5281E377-9263-4590-B940-1DB089133B31}" srcId="{D7703957-F268-4381-8B72-FA9B7644E8FA}" destId="{9EFCBBC9-34B0-4DA9-A6A6-9347A937E697}" srcOrd="1" destOrd="0" parTransId="{E7DAF35A-718D-4276-A180-03B31879E1EE}" sibTransId="{65566C22-99D0-4B08-9995-928EA083A22F}"/>
+    <dgm:cxn modelId="{926AB583-317A-CC4A-995D-E1AD6B1685C4}" type="presOf" srcId="{D627EAC5-4200-964B-9F48-1A7B5A69E1BC}" destId="{F731F54E-96A0-0841-AAE8-06A572716188}" srcOrd="0" destOrd="1" presId="urn:microsoft.com/office/officeart/2016/7/layout/BasicLinearProcessNumbered"/>
     <dgm:cxn modelId="{6C7AD588-2A86-1C47-B1D4-ABE09CB39654}" type="presOf" srcId="{AECDC26E-EF18-4011-8F24-6F60F159CD96}" destId="{000C14B6-6D0B-5E4D-B61F-A33F93C21C22}" srcOrd="0" destOrd="0" presId="urn:microsoft.com/office/officeart/2016/7/layout/BasicLinearProcessNumbered"/>
     <dgm:cxn modelId="{F970DEA5-7674-5542-A106-015637F2CB20}" type="presOf" srcId="{D7703957-F268-4381-8B72-FA9B7644E8FA}" destId="{A337D11C-7225-2649-AC7F-6FEE52A4BFFA}" srcOrd="0" destOrd="0" presId="urn:microsoft.com/office/officeart/2016/7/layout/BasicLinearProcessNumbered"/>
     <dgm:cxn modelId="{CACA1EA9-E691-7D4B-997A-73B628DD581D}" type="presOf" srcId="{16E7C8EE-8BCA-43ED-9255-B0D2169FABD5}" destId="{2ADFEC0F-5B85-C443-BF55-BCBFCEA818B6}" srcOrd="0" destOrd="0" presId="urn:microsoft.com/office/officeart/2016/7/layout/BasicLinearProcessNumbered"/>
     <dgm:cxn modelId="{AC9F1EBC-D0B0-054A-82B6-60A8344CE8DB}" type="presOf" srcId="{076BBE90-2B4A-4C97-B74B-731327A69F22}" destId="{1CEB629F-A93C-A048-95A5-D25A24A9BE58}" srcOrd="0" destOrd="0" presId="urn:microsoft.com/office/officeart/2016/7/layout/BasicLinearProcessNumbered"/>
     <dgm:cxn modelId="{82F449C0-FB53-D848-83DA-40DD85C15EDA}" type="presOf" srcId="{AECDC26E-EF18-4011-8F24-6F60F159CD96}" destId="{49E7F292-2304-9546-B87A-13946306E331}" srcOrd="1" destOrd="0" presId="urn:microsoft.com/office/officeart/2016/7/layout/BasicLinearProcessNumbered"/>
+    <dgm:cxn modelId="{F4813CC3-9E38-5C47-9BBC-347EAE0EFA58}" type="presOf" srcId="{8939FAD2-DAD4-0C42-BF25-917093067A75}" destId="{F731F54E-96A0-0841-AAE8-06A572716188}" srcOrd="0" destOrd="2" presId="urn:microsoft.com/office/officeart/2016/7/layout/BasicLinearProcessNumbered"/>
     <dgm:cxn modelId="{412C4FD6-5AA1-472C-83B9-7BAF1706C08C}" srcId="{D7703957-F268-4381-8B72-FA9B7644E8FA}" destId="{70C77A85-1223-4E8F-BE08-54050C68C915}" srcOrd="0" destOrd="0" parTransId="{DBDFD6D7-ABF2-4695-B47A-6E3A534A2645}" sibTransId="{076BBE90-2B4A-4C97-B74B-731327A69F22}"/>
     <dgm:cxn modelId="{0CF9DAD7-6F2D-6043-9A8B-7CA99D8703F4}" type="presOf" srcId="{7CF53B2D-8F36-45C9-975C-4ACEEDF95281}" destId="{A176CB78-1E44-7F41-A829-C244B9439B94}" srcOrd="0" destOrd="0" presId="urn:microsoft.com/office/officeart/2016/7/layout/BasicLinearProcessNumbered"/>
+    <dgm:cxn modelId="{BC4678DF-2F68-4545-9B20-34A2CC347961}" srcId="{70C77A85-1223-4E8F-BE08-54050C68C915}" destId="{D627EAC5-4200-964B-9F48-1A7B5A69E1BC}" srcOrd="0" destOrd="0" parTransId="{8F0EA825-5768-8645-A276-4491DDFE8237}" sibTransId="{D702C94C-0C83-A242-BDEE-1967C5DC58DE}"/>
     <dgm:cxn modelId="{D95DEE80-5B4D-CA42-AC62-1BA968CDFCA0}" type="presParOf" srcId="{A337D11C-7225-2649-AC7F-6FEE52A4BFFA}" destId="{81287A8D-5D98-B346-9196-1283F927302A}" srcOrd="0" destOrd="0" presId="urn:microsoft.com/office/officeart/2016/7/layout/BasicLinearProcessNumbered"/>
     <dgm:cxn modelId="{CD566426-ABE5-074A-912F-38540CDE3DCD}" type="presParOf" srcId="{81287A8D-5D98-B346-9196-1283F927302A}" destId="{F2F6CFD8-5B78-BD40-BAE9-7AE9CA3DCBDF}" srcOrd="0" destOrd="0" presId="urn:microsoft.com/office/officeart/2016/7/layout/BasicLinearProcessNumbered"/>
     <dgm:cxn modelId="{2EE5BE3C-A3C8-E14D-A615-1F44DC1D5EA0}" type="presParOf" srcId="{81287A8D-5D98-B346-9196-1283F927302A}" destId="{1CEB629F-A93C-A048-95A5-D25A24A9BE58}" srcOrd="1" destOrd="0" presId="urn:microsoft.com/office/officeart/2016/7/layout/BasicLinearProcessNumbered"/>
@@ -9518,17 +9596,21 @@
         <a:lstStyle/>
         <a:p>
           <a:r>
-            <a:rPr lang="en-US"/>
-            <a:t>Pwn for the line </a:t>
+            <a:rPr lang="en-US" dirty="0" err="1"/>
+            <a:t>Pwn</a:t>
           </a:r>
           <a:r>
-            <a:rPr lang="en-US">
+            <a:rPr lang="en-US" dirty="0"/>
+            <a:t> for the win </a:t>
+          </a:r>
+          <a:r>
+            <a:rPr lang="en-US" dirty="0">
               <a:sym typeface="Wingdings" panose="05000000000000000000" pitchFamily="2" charset="2"/>
             </a:rPr>
             <a:t></a:t>
           </a:r>
           <a:r>
-            <a:rPr lang="en-US"/>
+            <a:rPr lang="en-US" dirty="0"/>
             <a:t> </a:t>
           </a:r>
         </a:p>
@@ -10345,7 +10427,7 @@
 <dgm:dataModel xmlns:dgm="http://schemas.openxmlformats.org/drawingml/2006/diagram" xmlns:a="http://schemas.openxmlformats.org/drawingml/2006/main">
   <dgm:ptLst>
     <dgm:pt modelId="{7A6C7D34-F228-42B1-8E32-D90461CA767D}" type="doc">
-      <dgm:prSet loTypeId="urn:microsoft.com/office/officeart/2016/7/layout/BasicLinearProcessNumbered" loCatId="process" qsTypeId="urn:microsoft.com/office/officeart/2005/8/quickstyle/simple2" qsCatId="simple" csTypeId="urn:microsoft.com/office/officeart/2005/8/colors/accent1_2" csCatId="accent1"/>
+      <dgm:prSet loTypeId="urn:microsoft.com/office/officeart/2016/7/layout/BasicLinearProcessNumbered" loCatId="process" qsTypeId="urn:microsoft.com/office/officeart/2005/8/quickstyle/simple2" qsCatId="simple" csTypeId="urn:microsoft.com/office/officeart/2005/8/colors/accent1_2" csCatId="accent1" phldr="1"/>
       <dgm:spPr/>
       <dgm:t>
         <a:bodyPr/>
@@ -10363,16 +10445,16 @@
         <a:lstStyle/>
         <a:p>
           <a:r>
-            <a:rPr lang="en-US"/>
+            <a:rPr lang="en-US" dirty="0"/>
             <a:t>Corrupt </a:t>
           </a:r>
           <a:r>
-            <a:rPr lang="en-US" b="1" i="1"/>
+            <a:rPr lang="en-US" b="1" i="1" dirty="0"/>
             <a:t>Size</a:t>
           </a:r>
           <a:r>
-            <a:rPr lang="en-US"/>
-            <a:t> of allocated chunk</a:t>
+            <a:rPr lang="en-US" dirty="0"/>
+            <a:t> of chunk</a:t>
           </a:r>
         </a:p>
       </dgm:t>
@@ -10410,7 +10492,7 @@
         <a:lstStyle/>
         <a:p>
           <a:r>
-            <a:rPr lang="en-US"/>
+            <a:rPr lang="en-US" dirty="0"/>
             <a:t>Free &amp; Allocate the chunk</a:t>
           </a:r>
         </a:p>
@@ -10812,7 +10894,7 @@
         <a:p>
           <a:r>
             <a:rPr lang="en-US" dirty="0"/>
-            <a:t>Edit size prior to be freed or after being free</a:t>
+            <a:t>Edit size prior to being freed or after being freed</a:t>
           </a:r>
         </a:p>
       </dgm:t>
@@ -11192,7 +11274,7 @@
             <a:buNone/>
           </a:pPr>
           <a:r>
-            <a:rPr lang="en-US" sz="3700" kern="1200"/>
+            <a:rPr lang="en-US" sz="3700" kern="1200" dirty="0"/>
             <a:t>Overlap chunks with each other</a:t>
           </a:r>
         </a:p>
@@ -11767,8 +11849,8 @@
       </dsp:nvSpPr>
       <dsp:spPr>
         <a:xfrm>
-          <a:off x="2310" y="348622"/>
-          <a:ext cx="1833041" cy="2566258"/>
+          <a:off x="2474" y="639294"/>
+          <a:ext cx="1962745" cy="2747843"/>
         </a:xfrm>
         <a:prstGeom prst="rect">
           <a:avLst/>
@@ -11812,12 +11894,12 @@
         <a:fontRef idx="minor"/>
       </dsp:style>
       <dsp:txBody>
-        <a:bodyPr spcFirstLastPara="0" vert="horz" wrap="square" lIns="142911" tIns="330200" rIns="142911" bIns="330200" numCol="1" spcCol="1270" anchor="t" anchorCtr="0">
+        <a:bodyPr spcFirstLastPara="0" vert="horz" wrap="square" lIns="153023" tIns="330200" rIns="153023" bIns="330200" numCol="1" spcCol="1270" anchor="t" anchorCtr="0">
           <a:noAutofit/>
         </a:bodyPr>
         <a:lstStyle/>
         <a:p>
-          <a:pPr marL="0" lvl="0" indent="0" algn="l" defTabSz="755650">
+          <a:pPr marL="0" lvl="0" indent="0" algn="l" defTabSz="622300">
             <a:lnSpc>
               <a:spcPct val="90000"/>
             </a:lnSpc>
@@ -11830,22 +11912,66 @@
             <a:buNone/>
           </a:pPr>
           <a:r>
-            <a:rPr lang="en-US" sz="1700" kern="1200"/>
+            <a:rPr lang="en-US" sz="1400" kern="1200" dirty="0"/>
             <a:t>Corrupt </a:t>
           </a:r>
           <a:r>
-            <a:rPr lang="en-US" sz="1700" b="1" i="1" kern="1200"/>
+            <a:rPr lang="en-US" sz="1400" b="1" i="1" kern="1200" dirty="0"/>
             <a:t>Size</a:t>
           </a:r>
           <a:r>
-            <a:rPr lang="en-US" sz="1700" kern="1200"/>
-            <a:t> of allocated chunk</a:t>
+            <a:rPr lang="en-US" sz="1400" kern="1200" dirty="0"/>
+            <a:t> of chunk</a:t>
+          </a:r>
+        </a:p>
+        <a:p>
+          <a:pPr marL="57150" lvl="1" indent="-57150" algn="l" defTabSz="488950">
+            <a:lnSpc>
+              <a:spcPct val="90000"/>
+            </a:lnSpc>
+            <a:spcBef>
+              <a:spcPct val="0"/>
+            </a:spcBef>
+            <a:spcAft>
+              <a:spcPct val="15000"/>
+            </a:spcAft>
+            <a:buChar char="•"/>
+          </a:pPr>
+          <a:r>
+            <a:rPr lang="en-US" sz="1100" kern="1200" dirty="0"/>
+            <a:t>Free or allocated, depending on the bin</a:t>
+          </a:r>
+        </a:p>
+        <a:p>
+          <a:pPr marL="57150" lvl="1" indent="-57150" algn="l" defTabSz="488950">
+            <a:lnSpc>
+              <a:spcPct val="90000"/>
+            </a:lnSpc>
+            <a:spcBef>
+              <a:spcPct val="0"/>
+            </a:spcBef>
+            <a:spcAft>
+              <a:spcPct val="15000"/>
+            </a:spcAft>
+            <a:buChar char="•"/>
+          </a:pPr>
+          <a:r>
+            <a:rPr lang="en-US" sz="1100" kern="1200" dirty="0"/>
+            <a:t>For TCache, we need to corrupt an </a:t>
+          </a:r>
+          <a:r>
+            <a:rPr lang="en-US" sz="1100" i="1" kern="1200" dirty="0"/>
+            <a:t>allocated</a:t>
+          </a:r>
+          <a:r>
+            <a:rPr lang="en-US" sz="1100" kern="1200" dirty="0"/>
+            <a:t> chunk  </a:t>
           </a:r>
         </a:p>
       </dsp:txBody>
       <dsp:txXfrm>
-        <a:off x="2310" y="1323801"/>
-        <a:ext cx="1833041" cy="1539754"/>
+        <a:off x="2474" y="1683475"/>
+        <a:ext cx="1962745" cy="1648705"/>
       </dsp:txXfrm>
     </dsp:sp>
     <dsp:sp modelId="{1CEB629F-A93C-A048-95A5-D25A24A9BE58}">
@@ -11855,8 +11981,8 @@
       </dsp:nvSpPr>
       <dsp:spPr>
         <a:xfrm>
-          <a:off x="533892" y="605248"/>
-          <a:ext cx="769877" cy="769877"/>
+          <a:off x="571670" y="914079"/>
+          <a:ext cx="824352" cy="824352"/>
         </a:xfrm>
         <a:prstGeom prst="ellipse">
           <a:avLst/>
@@ -11898,12 +12024,12 @@
         </a:fontRef>
       </dsp:style>
       <dsp:txBody>
-        <a:bodyPr spcFirstLastPara="0" vert="horz" wrap="square" lIns="60023" tIns="12700" rIns="60023" bIns="12700" numCol="1" spcCol="1270" anchor="ctr" anchorCtr="0">
+        <a:bodyPr spcFirstLastPara="0" vert="horz" wrap="square" lIns="64270" tIns="12700" rIns="64270" bIns="12700" numCol="1" spcCol="1270" anchor="ctr" anchorCtr="0">
           <a:noAutofit/>
         </a:bodyPr>
         <a:lstStyle/>
         <a:p>
-          <a:pPr marL="0" lvl="0" indent="0" algn="ctr" defTabSz="1644650">
+          <a:pPr marL="0" lvl="0" indent="0" algn="ctr" defTabSz="1733550">
             <a:lnSpc>
               <a:spcPct val="90000"/>
             </a:lnSpc>
@@ -11916,14 +12042,15 @@
             <a:buNone/>
           </a:pPr>
           <a:r>
-            <a:rPr lang="en-US" sz="3700" kern="1200"/>
+            <a:rPr lang="en-US" sz="3900" kern="1200"/>
             <a:t>1</a:t>
           </a:r>
+          <a:endParaRPr lang="en-US" sz="3900" kern="1200" dirty="0"/>
         </a:p>
       </dsp:txBody>
       <dsp:txXfrm>
-        <a:off x="646638" y="717994"/>
-        <a:ext cx="544385" cy="544385"/>
+        <a:off x="692394" y="1034803"/>
+        <a:ext cx="582904" cy="582904"/>
       </dsp:txXfrm>
     </dsp:sp>
     <dsp:sp modelId="{F00799FD-F693-AF4D-8BC2-6EB11D423DB2}">
@@ -11933,8 +12060,8 @@
       </dsp:nvSpPr>
       <dsp:spPr>
         <a:xfrm>
-          <a:off x="2310" y="2914809"/>
-          <a:ext cx="1833041" cy="72"/>
+          <a:off x="2474" y="3387066"/>
+          <a:ext cx="1962745" cy="72"/>
         </a:xfrm>
         <a:prstGeom prst="rect">
           <a:avLst/>
@@ -11983,8 +12110,8 @@
       </dsp:nvSpPr>
       <dsp:spPr>
         <a:xfrm>
-          <a:off x="2018656" y="348622"/>
-          <a:ext cx="1833041" cy="2566258"/>
+          <a:off x="2161493" y="639294"/>
+          <a:ext cx="1962745" cy="2747843"/>
         </a:xfrm>
         <a:prstGeom prst="rect">
           <a:avLst/>
@@ -12028,12 +12155,12 @@
         <a:fontRef idx="minor"/>
       </dsp:style>
       <dsp:txBody>
-        <a:bodyPr spcFirstLastPara="0" vert="horz" wrap="square" lIns="142911" tIns="330200" rIns="142911" bIns="330200" numCol="1" spcCol="1270" anchor="t" anchorCtr="0">
+        <a:bodyPr spcFirstLastPara="0" vert="horz" wrap="square" lIns="153023" tIns="330200" rIns="153023" bIns="330200" numCol="1" spcCol="1270" anchor="t" anchorCtr="0">
           <a:noAutofit/>
         </a:bodyPr>
         <a:lstStyle/>
         <a:p>
-          <a:pPr marL="0" lvl="0" indent="0" algn="l" defTabSz="755650">
+          <a:pPr marL="0" lvl="0" indent="0" algn="l" defTabSz="622300">
             <a:lnSpc>
               <a:spcPct val="90000"/>
             </a:lnSpc>
@@ -12046,14 +12173,14 @@
             <a:buNone/>
           </a:pPr>
           <a:r>
-            <a:rPr lang="en-US" sz="1700" kern="1200"/>
-            <a:t>Free the corrupted chunk</a:t>
+            <a:rPr lang="en-US" sz="1400" kern="1200" dirty="0"/>
+            <a:t>Free the corrupted chunk (if allocated)</a:t>
           </a:r>
         </a:p>
       </dsp:txBody>
       <dsp:txXfrm>
-        <a:off x="2018656" y="1323801"/>
-        <a:ext cx="1833041" cy="1539754"/>
+        <a:off x="2161493" y="1683475"/>
+        <a:ext cx="1962745" cy="1648705"/>
       </dsp:txXfrm>
     </dsp:sp>
     <dsp:sp modelId="{C847CC01-B559-2C40-AE80-28DE2F9B0DB8}">
@@ -12063,8 +12190,8 @@
       </dsp:nvSpPr>
       <dsp:spPr>
         <a:xfrm>
-          <a:off x="2550238" y="605248"/>
-          <a:ext cx="769877" cy="769877"/>
+          <a:off x="2730689" y="914079"/>
+          <a:ext cx="824352" cy="824352"/>
         </a:xfrm>
         <a:prstGeom prst="ellipse">
           <a:avLst/>
@@ -12106,12 +12233,12 @@
         </a:fontRef>
       </dsp:style>
       <dsp:txBody>
-        <a:bodyPr spcFirstLastPara="0" vert="horz" wrap="square" lIns="60023" tIns="12700" rIns="60023" bIns="12700" numCol="1" spcCol="1270" anchor="ctr" anchorCtr="0">
+        <a:bodyPr spcFirstLastPara="0" vert="horz" wrap="square" lIns="64270" tIns="12700" rIns="64270" bIns="12700" numCol="1" spcCol="1270" anchor="ctr" anchorCtr="0">
           <a:noAutofit/>
         </a:bodyPr>
         <a:lstStyle/>
         <a:p>
-          <a:pPr marL="0" lvl="0" indent="0" algn="ctr" defTabSz="1644650">
+          <a:pPr marL="0" lvl="0" indent="0" algn="ctr" defTabSz="1733550">
             <a:lnSpc>
               <a:spcPct val="90000"/>
             </a:lnSpc>
@@ -12124,14 +12251,14 @@
             <a:buNone/>
           </a:pPr>
           <a:r>
-            <a:rPr lang="en-US" sz="3700" kern="1200"/>
+            <a:rPr lang="en-US" sz="3900" kern="1200"/>
             <a:t>2</a:t>
           </a:r>
         </a:p>
       </dsp:txBody>
       <dsp:txXfrm>
-        <a:off x="2662984" y="717994"/>
-        <a:ext cx="544385" cy="544385"/>
+        <a:off x="2851413" y="1034803"/>
+        <a:ext cx="582904" cy="582904"/>
       </dsp:txXfrm>
     </dsp:sp>
     <dsp:sp modelId="{38C8F6BD-1678-B549-8F2C-AFD29AAB0A2B}">
@@ -12141,8 +12268,8 @@
       </dsp:nvSpPr>
       <dsp:spPr>
         <a:xfrm>
-          <a:off x="2018656" y="2914809"/>
-          <a:ext cx="1833041" cy="72"/>
+          <a:off x="2161493" y="3387066"/>
+          <a:ext cx="1962745" cy="72"/>
         </a:xfrm>
         <a:prstGeom prst="rect">
           <a:avLst/>
@@ -12191,8 +12318,8 @@
       </dsp:nvSpPr>
       <dsp:spPr>
         <a:xfrm>
-          <a:off x="4035002" y="348622"/>
-          <a:ext cx="1833041" cy="2566258"/>
+          <a:off x="4320513" y="639294"/>
+          <a:ext cx="1962745" cy="2747843"/>
         </a:xfrm>
         <a:prstGeom prst="rect">
           <a:avLst/>
@@ -12236,12 +12363,12 @@
         <a:fontRef idx="minor"/>
       </dsp:style>
       <dsp:txBody>
-        <a:bodyPr spcFirstLastPara="0" vert="horz" wrap="square" lIns="142911" tIns="330200" rIns="142911" bIns="330200" numCol="1" spcCol="1270" anchor="t" anchorCtr="0">
+        <a:bodyPr spcFirstLastPara="0" vert="horz" wrap="square" lIns="153023" tIns="330200" rIns="153023" bIns="330200" numCol="1" spcCol="1270" anchor="t" anchorCtr="0">
           <a:noAutofit/>
         </a:bodyPr>
         <a:lstStyle/>
         <a:p>
-          <a:pPr marL="0" lvl="0" indent="0" algn="l" defTabSz="755650">
+          <a:pPr marL="0" lvl="0" indent="0" algn="l" defTabSz="622300">
             <a:lnSpc>
               <a:spcPct val="90000"/>
             </a:lnSpc>
@@ -12254,14 +12381,14 @@
             <a:buNone/>
           </a:pPr>
           <a:r>
-            <a:rPr lang="en-US" sz="1700" kern="1200"/>
+            <a:rPr lang="en-US" sz="1400" kern="1200"/>
             <a:t>Allocate the chunk to overlap with other chunk</a:t>
           </a:r>
         </a:p>
       </dsp:txBody>
       <dsp:txXfrm>
-        <a:off x="4035002" y="1323801"/>
-        <a:ext cx="1833041" cy="1539754"/>
+        <a:off x="4320513" y="1683475"/>
+        <a:ext cx="1962745" cy="1648705"/>
       </dsp:txXfrm>
     </dsp:sp>
     <dsp:sp modelId="{4A2B730E-024F-F244-A892-210DCB61C8F8}">
@@ -12271,8 +12398,8 @@
       </dsp:nvSpPr>
       <dsp:spPr>
         <a:xfrm>
-          <a:off x="4566584" y="605248"/>
-          <a:ext cx="769877" cy="769877"/>
+          <a:off x="4889709" y="914079"/>
+          <a:ext cx="824352" cy="824352"/>
         </a:xfrm>
         <a:prstGeom prst="ellipse">
           <a:avLst/>
@@ -12314,12 +12441,12 @@
         </a:fontRef>
       </dsp:style>
       <dsp:txBody>
-        <a:bodyPr spcFirstLastPara="0" vert="horz" wrap="square" lIns="60023" tIns="12700" rIns="60023" bIns="12700" numCol="1" spcCol="1270" anchor="ctr" anchorCtr="0">
+        <a:bodyPr spcFirstLastPara="0" vert="horz" wrap="square" lIns="64270" tIns="12700" rIns="64270" bIns="12700" numCol="1" spcCol="1270" anchor="ctr" anchorCtr="0">
           <a:noAutofit/>
         </a:bodyPr>
         <a:lstStyle/>
         <a:p>
-          <a:pPr marL="0" lvl="0" indent="0" algn="ctr" defTabSz="1644650">
+          <a:pPr marL="0" lvl="0" indent="0" algn="ctr" defTabSz="1733550">
             <a:lnSpc>
               <a:spcPct val="90000"/>
             </a:lnSpc>
@@ -12332,14 +12459,14 @@
             <a:buNone/>
           </a:pPr>
           <a:r>
-            <a:rPr lang="en-US" sz="3700" kern="1200"/>
+            <a:rPr lang="en-US" sz="3900" kern="1200"/>
             <a:t>3</a:t>
           </a:r>
         </a:p>
       </dsp:txBody>
       <dsp:txXfrm>
-        <a:off x="4679330" y="717994"/>
-        <a:ext cx="544385" cy="544385"/>
+        <a:off x="5010433" y="1034803"/>
+        <a:ext cx="582904" cy="582904"/>
       </dsp:txXfrm>
     </dsp:sp>
     <dsp:sp modelId="{2F12FF0F-A98F-FC4C-9F05-FCEC4171EFEE}">
@@ -12349,8 +12476,8 @@
       </dsp:nvSpPr>
       <dsp:spPr>
         <a:xfrm>
-          <a:off x="4035002" y="2914809"/>
-          <a:ext cx="1833041" cy="72"/>
+          <a:off x="4320513" y="3387066"/>
+          <a:ext cx="1962745" cy="72"/>
         </a:xfrm>
         <a:prstGeom prst="rect">
           <a:avLst/>
@@ -12399,8 +12526,8 @@
       </dsp:nvSpPr>
       <dsp:spPr>
         <a:xfrm>
-          <a:off x="6051347" y="348622"/>
-          <a:ext cx="1833041" cy="2566258"/>
+          <a:off x="6479532" y="639294"/>
+          <a:ext cx="1962745" cy="2747843"/>
         </a:xfrm>
         <a:prstGeom prst="rect">
           <a:avLst/>
@@ -12444,12 +12571,12 @@
         <a:fontRef idx="minor"/>
       </dsp:style>
       <dsp:txBody>
-        <a:bodyPr spcFirstLastPara="0" vert="horz" wrap="square" lIns="142911" tIns="330200" rIns="142911" bIns="330200" numCol="1" spcCol="1270" anchor="t" anchorCtr="0">
+        <a:bodyPr spcFirstLastPara="0" vert="horz" wrap="square" lIns="153023" tIns="330200" rIns="153023" bIns="330200" numCol="1" spcCol="1270" anchor="t" anchorCtr="0">
           <a:noAutofit/>
         </a:bodyPr>
         <a:lstStyle/>
         <a:p>
-          <a:pPr marL="0" lvl="0" indent="0" algn="l" defTabSz="755650">
+          <a:pPr marL="0" lvl="0" indent="0" algn="l" defTabSz="622300">
             <a:lnSpc>
               <a:spcPct val="90000"/>
             </a:lnSpc>
@@ -12462,14 +12589,14 @@
             <a:buNone/>
           </a:pPr>
           <a:r>
-            <a:rPr lang="en-US" sz="1700" kern="1200"/>
+            <a:rPr lang="en-US" sz="1400" kern="1200"/>
             <a:t>Cause havoc!</a:t>
           </a:r>
         </a:p>
       </dsp:txBody>
       <dsp:txXfrm>
-        <a:off x="6051347" y="1323801"/>
-        <a:ext cx="1833041" cy="1539754"/>
+        <a:off x="6479532" y="1683475"/>
+        <a:ext cx="1962745" cy="1648705"/>
       </dsp:txXfrm>
     </dsp:sp>
     <dsp:sp modelId="{2ADFEC0F-5B85-C443-BF55-BCBFCEA818B6}">
@@ -12479,8 +12606,8 @@
       </dsp:nvSpPr>
       <dsp:spPr>
         <a:xfrm>
-          <a:off x="6582929" y="605248"/>
-          <a:ext cx="769877" cy="769877"/>
+          <a:off x="7048728" y="914079"/>
+          <a:ext cx="824352" cy="824352"/>
         </a:xfrm>
         <a:prstGeom prst="ellipse">
           <a:avLst/>
@@ -12522,12 +12649,12 @@
         </a:fontRef>
       </dsp:style>
       <dsp:txBody>
-        <a:bodyPr spcFirstLastPara="0" vert="horz" wrap="square" lIns="60023" tIns="12700" rIns="60023" bIns="12700" numCol="1" spcCol="1270" anchor="ctr" anchorCtr="0">
+        <a:bodyPr spcFirstLastPara="0" vert="horz" wrap="square" lIns="64270" tIns="12700" rIns="64270" bIns="12700" numCol="1" spcCol="1270" anchor="ctr" anchorCtr="0">
           <a:noAutofit/>
         </a:bodyPr>
         <a:lstStyle/>
         <a:p>
-          <a:pPr marL="0" lvl="0" indent="0" algn="ctr" defTabSz="1644650">
+          <a:pPr marL="0" lvl="0" indent="0" algn="ctr" defTabSz="1733550">
             <a:lnSpc>
               <a:spcPct val="90000"/>
             </a:lnSpc>
@@ -12540,14 +12667,14 @@
             <a:buNone/>
           </a:pPr>
           <a:r>
-            <a:rPr lang="en-US" sz="3700" kern="1200"/>
+            <a:rPr lang="en-US" sz="3900" kern="1200"/>
             <a:t>4</a:t>
           </a:r>
         </a:p>
       </dsp:txBody>
       <dsp:txXfrm>
-        <a:off x="6695675" y="717994"/>
-        <a:ext cx="544385" cy="544385"/>
+        <a:off x="7169452" y="1034803"/>
+        <a:ext cx="582904" cy="582904"/>
       </dsp:txXfrm>
     </dsp:sp>
     <dsp:sp modelId="{DF0827E3-D5B8-ED41-A049-CDAC39A4F60F}">
@@ -12557,8 +12684,8 @@
       </dsp:nvSpPr>
       <dsp:spPr>
         <a:xfrm>
-          <a:off x="6051347" y="2914809"/>
-          <a:ext cx="1833041" cy="72"/>
+          <a:off x="6479532" y="3387066"/>
+          <a:ext cx="1962745" cy="72"/>
         </a:xfrm>
         <a:prstGeom prst="rect">
           <a:avLst/>
@@ -13820,17 +13947,21 @@
             <a:buNone/>
           </a:pPr>
           <a:r>
-            <a:rPr lang="en-US" sz="1600" kern="1200"/>
-            <a:t>Pwn for the line </a:t>
+            <a:rPr lang="en-US" sz="1600" kern="1200" dirty="0" err="1"/>
+            <a:t>Pwn</a:t>
           </a:r>
           <a:r>
-            <a:rPr lang="en-US" sz="1600" kern="1200">
+            <a:rPr lang="en-US" sz="1600" kern="1200" dirty="0"/>
+            <a:t> for the win </a:t>
+          </a:r>
+          <a:r>
+            <a:rPr lang="en-US" sz="1600" kern="1200" dirty="0">
               <a:sym typeface="Wingdings" panose="05000000000000000000" pitchFamily="2" charset="2"/>
             </a:rPr>
             <a:t></a:t>
           </a:r>
           <a:r>
-            <a:rPr lang="en-US" sz="1600" kern="1200"/>
+            <a:rPr lang="en-US" sz="1600" kern="1200" dirty="0"/>
             <a:t> </a:t>
           </a:r>
         </a:p>
@@ -14850,16 +14981,16 @@
             <a:buNone/>
           </a:pPr>
           <a:r>
-            <a:rPr lang="en-US" sz="2600" kern="1200"/>
+            <a:rPr lang="en-US" sz="2600" kern="1200" dirty="0"/>
             <a:t>Corrupt </a:t>
           </a:r>
           <a:r>
-            <a:rPr lang="en-US" sz="2600" b="1" i="1" kern="1200"/>
+            <a:rPr lang="en-US" sz="2600" b="1" i="1" kern="1200" dirty="0"/>
             <a:t>Size</a:t>
           </a:r>
           <a:r>
-            <a:rPr lang="en-US" sz="2600" kern="1200"/>
-            <a:t> of allocated chunk</a:t>
+            <a:rPr lang="en-US" sz="2600" kern="1200" dirty="0"/>
+            <a:t> of chunk</a:t>
           </a:r>
         </a:p>
       </dsp:txBody>
@@ -15066,7 +15197,7 @@
             <a:buNone/>
           </a:pPr>
           <a:r>
-            <a:rPr lang="en-US" sz="2600" kern="1200"/>
+            <a:rPr lang="en-US" sz="2600" kern="1200" dirty="0"/>
             <a:t>Free &amp; Allocate the chunk</a:t>
           </a:r>
         </a:p>
@@ -15667,7 +15798,7 @@
           </a:pPr>
           <a:r>
             <a:rPr lang="en-US" sz="2400" kern="1200" dirty="0"/>
-            <a:t>Edit size prior to be freed or after being free</a:t>
+            <a:t>Edit size prior to being freed or after being freed</a:t>
           </a:r>
         </a:p>
       </dsp:txBody>
@@ -28435,7 +28566,7 @@
           <a:p>
             <a:fld id="{2DA23E8D-1792-1541-9147-970A8DD8A355}" type="datetimeFigureOut">
               <a:rPr lang="en-US" smtClean="0"/>
-              <a:t>3/25/21</a:t>
+              <a:t>4/21/21</a:t>
             </a:fld>
             <a:endParaRPr lang="en-US" dirty="0"/>
           </a:p>
@@ -28702,6 +28833,93 @@
 </p:notesMaster>
 </file>
 
+<file path=ppt/notesSlides/notesSlide1.xml><?xml version="1.0" encoding="utf-8"?>
+<p:notes xmlns:a="http://schemas.openxmlformats.org/drawingml/2006/main" xmlns:r="http://schemas.openxmlformats.org/officeDocument/2006/relationships" xmlns:p="http://schemas.openxmlformats.org/presentationml/2006/main">
+  <p:cSld>
+    <p:spTree>
+      <p:nvGrpSpPr>
+        <p:cNvPr id="1" name=""/>
+        <p:cNvGrpSpPr/>
+        <p:nvPr/>
+      </p:nvGrpSpPr>
+      <p:grpSpPr>
+        <a:xfrm>
+          <a:off x="0" y="0"/>
+          <a:ext cx="0" cy="0"/>
+          <a:chOff x="0" y="0"/>
+          <a:chExt cx="0" cy="0"/>
+        </a:xfrm>
+      </p:grpSpPr>
+      <p:sp>
+        <p:nvSpPr>
+          <p:cNvPr id="2" name="Slide Image Placeholder 1"/>
+          <p:cNvSpPr>
+            <a:spLocks noGrp="1" noRot="1" noChangeAspect="1"/>
+          </p:cNvSpPr>
+          <p:nvPr>
+            <p:ph type="sldImg"/>
+          </p:nvPr>
+        </p:nvSpPr>
+        <p:spPr/>
+      </p:sp>
+      <p:sp>
+        <p:nvSpPr>
+          <p:cNvPr id="3" name="Notes Placeholder 2"/>
+          <p:cNvSpPr>
+            <a:spLocks noGrp="1"/>
+          </p:cNvSpPr>
+          <p:nvPr>
+            <p:ph type="body" idx="1"/>
+          </p:nvPr>
+        </p:nvSpPr>
+        <p:spPr/>
+        <p:txBody>
+          <a:bodyPr/>
+          <a:lstStyle/>
+          <a:p>
+            <a:r>
+              <a:rPr lang="en-US" dirty="0"/>
+              <a:t>Numbers on the left are an ADDRESS. </a:t>
+            </a:r>
+          </a:p>
+        </p:txBody>
+      </p:sp>
+      <p:sp>
+        <p:nvSpPr>
+          <p:cNvPr id="4" name="Slide Number Placeholder 3"/>
+          <p:cNvSpPr>
+            <a:spLocks noGrp="1"/>
+          </p:cNvSpPr>
+          <p:nvPr>
+            <p:ph type="sldNum" sz="quarter" idx="5"/>
+          </p:nvPr>
+        </p:nvSpPr>
+        <p:spPr/>
+        <p:txBody>
+          <a:bodyPr/>
+          <a:lstStyle/>
+          <a:p>
+            <a:fld id="{AC55928C-CD14-454C-B617-1AFCF9A58596}" type="slidenum">
+              <a:rPr lang="en-US" smtClean="0"/>
+              <a:t>8</a:t>
+            </a:fld>
+            <a:endParaRPr lang="en-US" dirty="0"/>
+          </a:p>
+        </p:txBody>
+      </p:sp>
+    </p:spTree>
+    <p:extLst>
+      <p:ext uri="{BB962C8B-B14F-4D97-AF65-F5344CB8AC3E}">
+        <p14:creationId xmlns:p14="http://schemas.microsoft.com/office/powerpoint/2010/main" val="2518779492"/>
+      </p:ext>
+    </p:extLst>
+  </p:cSld>
+  <p:clrMapOvr>
+    <a:masterClrMapping/>
+  </p:clrMapOvr>
+</p:notes>
+</file>
+
 <file path=ppt/slideLayouts/slideLayout1.xml><?xml version="1.0" encoding="utf-8"?>
 <p:sldLayout xmlns:a="http://schemas.openxmlformats.org/drawingml/2006/main" xmlns:r="http://schemas.openxmlformats.org/officeDocument/2006/relationships" xmlns:p="http://schemas.openxmlformats.org/presentationml/2006/main" type="title" preserve="1">
   <p:cSld name="Title Slide">
@@ -28905,7 +29123,7 @@
                 <a:latin typeface="Calibri"/>
               </a:rPr>
               <a:pPr/>
-              <a:t>3/25/21</a:t>
+              <a:t>4/21/21</a:t>
             </a:fld>
             <a:endParaRPr lang="en-US" dirty="0">
               <a:solidFill>
@@ -29158,7 +29376,7 @@
                 <a:latin typeface="Calibri"/>
               </a:rPr>
               <a:pPr/>
-              <a:t>3/25/21</a:t>
+              <a:t>4/21/21</a:t>
             </a:fld>
             <a:endParaRPr lang="en-US" dirty="0">
               <a:solidFill>
@@ -29373,7 +29591,7 @@
                 <a:latin typeface="Calibri"/>
               </a:rPr>
               <a:pPr/>
-              <a:t>3/25/21</a:t>
+              <a:t>4/21/21</a:t>
             </a:fld>
             <a:endParaRPr lang="en-US" dirty="0">
               <a:solidFill>
@@ -29657,7 +29875,7 @@
                 <a:latin typeface="Calibri"/>
               </a:rPr>
               <a:pPr/>
-              <a:t>3/25/21</a:t>
+              <a:t>4/21/21</a:t>
             </a:fld>
             <a:endParaRPr lang="en-US" dirty="0">
               <a:solidFill>
@@ -29999,7 +30217,7 @@
                 <a:latin typeface="Calibri"/>
               </a:rPr>
               <a:pPr/>
-              <a:t>3/25/21</a:t>
+              <a:t>4/21/21</a:t>
             </a:fld>
             <a:endParaRPr lang="en-US" dirty="0">
               <a:solidFill>
@@ -30327,7 +30545,7 @@
                 <a:latin typeface="Calibri"/>
               </a:rPr>
               <a:pPr/>
-              <a:t>3/25/21</a:t>
+              <a:t>4/21/21</a:t>
             </a:fld>
             <a:endParaRPr lang="en-US" dirty="0">
               <a:solidFill>
@@ -30816,7 +31034,7 @@
                 <a:latin typeface="Calibri"/>
               </a:rPr>
               <a:pPr/>
-              <a:t>3/25/21</a:t>
+              <a:t>4/21/21</a:t>
             </a:fld>
             <a:endParaRPr lang="en-US" dirty="0">
               <a:solidFill>
@@ -30999,7 +31217,7 @@
                 <a:latin typeface="Calibri"/>
               </a:rPr>
               <a:pPr/>
-              <a:t>3/25/21</a:t>
+              <a:t>4/21/21</a:t>
             </a:fld>
             <a:endParaRPr lang="en-US" dirty="0">
               <a:solidFill>
@@ -31245,7 +31463,7 @@
                 <a:latin typeface="Calibri"/>
               </a:rPr>
               <a:pPr/>
-              <a:t>3/25/21</a:t>
+              <a:t>4/21/21</a:t>
             </a:fld>
             <a:endParaRPr lang="en-US" dirty="0">
               <a:solidFill>
@@ -31587,7 +31805,7 @@
                 <a:latin typeface="Calibri"/>
               </a:rPr>
               <a:pPr/>
-              <a:t>3/25/21</a:t>
+              <a:t>4/21/21</a:t>
             </a:fld>
             <a:endParaRPr lang="en-US" dirty="0">
               <a:solidFill>
@@ -31879,7 +32097,7 @@
                 <a:latin typeface="Calibri"/>
               </a:rPr>
               <a:pPr/>
-              <a:t>3/25/21</a:t>
+              <a:t>4/21/21</a:t>
             </a:fld>
             <a:endParaRPr lang="en-US" dirty="0">
               <a:solidFill>
@@ -32129,7 +32347,7 @@
                 <a:latin typeface="Calibri"/>
               </a:rPr>
               <a:pPr defTabSz="914400"/>
-              <a:t>3/25/21</a:t>
+              <a:t>4/21/21</a:t>
             </a:fld>
             <a:endParaRPr lang="en-US" dirty="0">
               <a:solidFill>
@@ -32708,6 +32926,41 @@
           </a:xfrm>
         </p:spPr>
       </p:pic>
+      <p:sp>
+        <p:nvSpPr>
+          <p:cNvPr id="3" name="TextBox 2">
+            <a:extLst>
+              <a:ext uri="{FF2B5EF4-FFF2-40B4-BE49-F238E27FC236}">
+                <a16:creationId xmlns:a16="http://schemas.microsoft.com/office/drawing/2014/main" id="{89B657B8-5A67-344F-A07B-DDF8843C2CD0}"/>
+              </a:ext>
+            </a:extLst>
+          </p:cNvPr>
+          <p:cNvSpPr txBox="1"/>
+          <p:nvPr/>
+        </p:nvSpPr>
+        <p:spPr>
+          <a:xfrm>
+            <a:off x="2288047" y="1083353"/>
+            <a:ext cx="568510" cy="369332"/>
+          </a:xfrm>
+          <a:prstGeom prst="rect">
+            <a:avLst/>
+          </a:prstGeom>
+          <a:noFill/>
+        </p:spPr>
+        <p:txBody>
+          <a:bodyPr wrap="square" rtlCol="0">
+            <a:spAutoFit/>
+          </a:bodyPr>
+          <a:lstStyle/>
+          <a:p>
+            <a:r>
+              <a:rPr lang="en-US" dirty="0"/>
+              <a:t>Size</a:t>
+            </a:r>
+          </a:p>
+        </p:txBody>
+      </p:sp>
     </p:spTree>
     <p:extLst>
       <p:ext uri="{BB962C8B-B14F-4D97-AF65-F5344CB8AC3E}">
@@ -32768,19 +33021,17 @@
       </p:sp>
       <p:pic>
         <p:nvPicPr>
-          <p:cNvPr id="7" name="Content Placeholder 6" descr="Diagram&#10;&#10;Description automatically generated">
+          <p:cNvPr id="12" name="Content Placeholder 10" descr="Overlapping chunks edited size">
             <a:extLst>
               <a:ext uri="{FF2B5EF4-FFF2-40B4-BE49-F238E27FC236}">
-                <a16:creationId xmlns:a16="http://schemas.microsoft.com/office/drawing/2014/main" id="{B46898E1-2C4A-074E-BCFA-4A1460D15B5A}"/>
+                <a16:creationId xmlns:a16="http://schemas.microsoft.com/office/drawing/2014/main" id="{E033ED39-3EEC-1A4D-A464-F113FB842A3B}"/>
               </a:ext>
             </a:extLst>
           </p:cNvPr>
           <p:cNvPicPr>
-            <a:picLocks noGrp="1" noChangeAspect="1"/>
+            <a:picLocks noChangeAspect="1"/>
           </p:cNvPicPr>
-          <p:nvPr>
-            <p:ph idx="1"/>
-          </p:nvPr>
+          <p:nvPr/>
         </p:nvPicPr>
         <p:blipFill>
           <a:blip r:embed="rId2"/>
@@ -32790,17 +33041,20 @@
         </p:blipFill>
         <p:spPr>
           <a:xfrm>
-            <a:off x="1331842" y="1046427"/>
-            <a:ext cx="6480315" cy="3641320"/>
+            <a:off x="1595041" y="1071668"/>
+            <a:ext cx="6031658" cy="3564162"/>
           </a:xfrm>
+          <a:prstGeom prst="rect">
+            <a:avLst/>
+          </a:prstGeom>
         </p:spPr>
       </p:pic>
       <p:cxnSp>
         <p:nvCxnSpPr>
-          <p:cNvPr id="8" name="Straight Connector 7">
+          <p:cNvPr id="13" name="Straight Connector 12">
             <a:extLst>
               <a:ext uri="{FF2B5EF4-FFF2-40B4-BE49-F238E27FC236}">
-                <a16:creationId xmlns:a16="http://schemas.microsoft.com/office/drawing/2014/main" id="{C3FCFFA8-74E4-474B-8256-6B6D037498A1}"/>
+                <a16:creationId xmlns:a16="http://schemas.microsoft.com/office/drawing/2014/main" id="{662910E3-DEE4-D84B-A9BA-B47674002AC0}"/>
               </a:ext>
             </a:extLst>
           </p:cNvPr>
@@ -32811,7 +33065,7 @@
         </p:nvCxnSpPr>
         <p:spPr>
           <a:xfrm>
-            <a:off x="1445196" y="1807821"/>
+            <a:off x="1595041" y="2099223"/>
             <a:ext cx="950764" cy="0"/>
           </a:xfrm>
           <a:prstGeom prst="line">
@@ -33088,78 +33342,6 @@
           </a:p>
         </p:txBody>
       </p:sp>
-      <p:pic>
-        <p:nvPicPr>
-          <p:cNvPr id="7" name="Content Placeholder 6" descr="Diagram&#10;&#10;Description automatically generated">
-            <a:extLst>
-              <a:ext uri="{FF2B5EF4-FFF2-40B4-BE49-F238E27FC236}">
-                <a16:creationId xmlns:a16="http://schemas.microsoft.com/office/drawing/2014/main" id="{B46898E1-2C4A-074E-BCFA-4A1460D15B5A}"/>
-              </a:ext>
-            </a:extLst>
-          </p:cNvPr>
-          <p:cNvPicPr>
-            <a:picLocks noGrp="1" noChangeAspect="1"/>
-          </p:cNvPicPr>
-          <p:nvPr>
-            <p:ph idx="1"/>
-          </p:nvPr>
-        </p:nvPicPr>
-        <p:blipFill>
-          <a:blip r:embed="rId2"/>
-          <a:stretch>
-            <a:fillRect/>
-          </a:stretch>
-        </p:blipFill>
-        <p:spPr>
-          <a:xfrm>
-            <a:off x="5128756" y="1162174"/>
-            <a:ext cx="3678823" cy="2067148"/>
-          </a:xfrm>
-        </p:spPr>
-      </p:pic>
-      <p:cxnSp>
-        <p:nvCxnSpPr>
-          <p:cNvPr id="8" name="Straight Connector 7">
-            <a:extLst>
-              <a:ext uri="{FF2B5EF4-FFF2-40B4-BE49-F238E27FC236}">
-                <a16:creationId xmlns:a16="http://schemas.microsoft.com/office/drawing/2014/main" id="{C3FCFFA8-74E4-474B-8256-6B6D037498A1}"/>
-              </a:ext>
-            </a:extLst>
-          </p:cNvPr>
-          <p:cNvCxnSpPr>
-            <a:cxnSpLocks/>
-          </p:cNvCxnSpPr>
-          <p:nvPr/>
-        </p:nvCxnSpPr>
-        <p:spPr>
-          <a:xfrm>
-            <a:off x="5128756" y="1599477"/>
-            <a:ext cx="648183" cy="0"/>
-          </a:xfrm>
-          <a:prstGeom prst="line">
-            <a:avLst/>
-          </a:prstGeom>
-          <a:ln w="38100">
-            <a:solidFill>
-              <a:srgbClr val="FF0000"/>
-            </a:solidFill>
-          </a:ln>
-        </p:spPr>
-        <p:style>
-          <a:lnRef idx="1">
-            <a:schemeClr val="accent1"/>
-          </a:lnRef>
-          <a:fillRef idx="0">
-            <a:schemeClr val="accent1"/>
-          </a:fillRef>
-          <a:effectRef idx="0">
-            <a:schemeClr val="accent1"/>
-          </a:effectRef>
-          <a:fontRef idx="minor">
-            <a:schemeClr val="tx1"/>
-          </a:fontRef>
-        </p:style>
-      </p:cxnSp>
       <p:sp>
         <p:nvSpPr>
           <p:cNvPr id="5" name="Content Placeholder 2">
@@ -33372,8 +33554,8 @@
         </p:nvSpPr>
         <p:spPr>
           <a:xfrm>
-            <a:off x="628650" y="1236540"/>
-            <a:ext cx="4730428" cy="3717415"/>
+            <a:off x="506321" y="1236540"/>
+            <a:ext cx="4852757" cy="3717415"/>
           </a:xfrm>
           <a:prstGeom prst="rect">
             <a:avLst/>
@@ -33562,17 +33744,36 @@
             </a:r>
           </a:p>
           <a:p>
+            <a:pPr lvl="1"/>
             <a:r>
               <a:rPr lang="en-US" dirty="0"/>
-              <a:t>Chunk 1 believes the size is ONLY 0x40:</a:t>
+              <a:t>This is </a:t>
+            </a:r>
+            <a:r>
+              <a:rPr lang="en-US" b="1" i="1" dirty="0"/>
+              <a:t>NOT</a:t>
+            </a:r>
+            <a:r>
+              <a:rPr lang="en-US" dirty="0"/>
+              <a:t> being used to keep track of the size by the developers of the program though</a:t>
             </a:r>
           </a:p>
           <a:p>
-            <a:pPr lvl="1"/>
             <a:r>
               <a:rPr lang="en-US" dirty="0"/>
-              <a:t>Change in size does mean change in logic for an allocated chunk</a:t>
+              <a:t>Developers do NOT use the </a:t>
             </a:r>
+            <a:r>
+              <a:rPr lang="en-US" b="1" i="1" dirty="0"/>
+              <a:t>size </a:t>
+            </a:r>
+            <a:r>
+              <a:rPr lang="en-US" dirty="0"/>
+              <a:t>of the chunk as a reference to the size of their data though</a:t>
+            </a:r>
+          </a:p>
+          <a:p>
+            <a:endParaRPr lang="en-US" dirty="0"/>
           </a:p>
           <a:p>
             <a:r>
@@ -33586,6 +33787,113 @@
           </a:p>
         </p:txBody>
       </p:sp>
+      <p:pic>
+        <p:nvPicPr>
+          <p:cNvPr id="11" name="Content Placeholder 10" descr="Overlapping chunks edited size">
+            <a:extLst>
+              <a:ext uri="{FF2B5EF4-FFF2-40B4-BE49-F238E27FC236}">
+                <a16:creationId xmlns:a16="http://schemas.microsoft.com/office/drawing/2014/main" id="{B5477A95-B5C2-5947-A8B2-80ADD2029972}"/>
+              </a:ext>
+            </a:extLst>
+          </p:cNvPr>
+          <p:cNvPicPr>
+            <a:picLocks noGrp="1" noChangeAspect="1"/>
+          </p:cNvPicPr>
+          <p:nvPr>
+            <p:ph idx="1"/>
+          </p:nvPr>
+        </p:nvPicPr>
+        <p:blipFill>
+          <a:blip r:embed="rId2"/>
+          <a:stretch>
+            <a:fillRect/>
+          </a:stretch>
+        </p:blipFill>
+        <p:spPr>
+          <a:xfrm>
+            <a:off x="5220938" y="1209032"/>
+            <a:ext cx="3056458" cy="1806089"/>
+          </a:xfrm>
+        </p:spPr>
+      </p:pic>
+      <p:sp>
+        <p:nvSpPr>
+          <p:cNvPr id="10" name="TextBox 9">
+            <a:extLst>
+              <a:ext uri="{FF2B5EF4-FFF2-40B4-BE49-F238E27FC236}">
+                <a16:creationId xmlns:a16="http://schemas.microsoft.com/office/drawing/2014/main" id="{FC0F85E9-1611-C94E-8A20-AF0187FEAD2F}"/>
+              </a:ext>
+            </a:extLst>
+          </p:cNvPr>
+          <p:cNvSpPr txBox="1"/>
+          <p:nvPr/>
+        </p:nvSpPr>
+        <p:spPr>
+          <a:xfrm>
+            <a:off x="5220938" y="1008296"/>
+            <a:ext cx="568510" cy="369332"/>
+          </a:xfrm>
+          <a:prstGeom prst="rect">
+            <a:avLst/>
+          </a:prstGeom>
+          <a:noFill/>
+        </p:spPr>
+        <p:txBody>
+          <a:bodyPr wrap="square" rtlCol="0">
+            <a:spAutoFit/>
+          </a:bodyPr>
+          <a:lstStyle/>
+          <a:p>
+            <a:r>
+              <a:rPr lang="en-US" dirty="0"/>
+              <a:t>Size</a:t>
+            </a:r>
+          </a:p>
+        </p:txBody>
+      </p:sp>
+      <p:cxnSp>
+        <p:nvCxnSpPr>
+          <p:cNvPr id="12" name="Straight Connector 11">
+            <a:extLst>
+              <a:ext uri="{FF2B5EF4-FFF2-40B4-BE49-F238E27FC236}">
+                <a16:creationId xmlns:a16="http://schemas.microsoft.com/office/drawing/2014/main" id="{C5E43A41-88C3-7F49-B253-17F71FD3F962}"/>
+              </a:ext>
+            </a:extLst>
+          </p:cNvPr>
+          <p:cNvCxnSpPr>
+            <a:cxnSpLocks/>
+          </p:cNvCxnSpPr>
+          <p:nvPr/>
+        </p:nvCxnSpPr>
+        <p:spPr>
+          <a:xfrm>
+            <a:off x="5220938" y="1730106"/>
+            <a:ext cx="648183" cy="0"/>
+          </a:xfrm>
+          <a:prstGeom prst="line">
+            <a:avLst/>
+          </a:prstGeom>
+          <a:ln w="38100">
+            <a:solidFill>
+              <a:srgbClr val="FF0000"/>
+            </a:solidFill>
+          </a:ln>
+        </p:spPr>
+        <p:style>
+          <a:lnRef idx="1">
+            <a:schemeClr val="accent1"/>
+          </a:lnRef>
+          <a:fillRef idx="0">
+            <a:schemeClr val="accent1"/>
+          </a:fillRef>
+          <a:effectRef idx="0">
+            <a:schemeClr val="accent1"/>
+          </a:effectRef>
+          <a:fontRef idx="minor">
+            <a:schemeClr val="tx1"/>
+          </a:fontRef>
+        </p:style>
+      </p:cxnSp>
     </p:spTree>
     <p:extLst>
       <p:ext uri="{BB962C8B-B14F-4D97-AF65-F5344CB8AC3E}">
@@ -33616,6 +33924,36 @@
           <a:chExt cx="0" cy="0"/>
         </a:xfrm>
       </p:grpSpPr>
+      <p:pic>
+        <p:nvPicPr>
+          <p:cNvPr id="14" name="Picture 13" descr="Diagram&#10;&#10;Description automatically generated">
+            <a:extLst>
+              <a:ext uri="{FF2B5EF4-FFF2-40B4-BE49-F238E27FC236}">
+                <a16:creationId xmlns:a16="http://schemas.microsoft.com/office/drawing/2014/main" id="{B43C5E8B-C5FC-F84A-B609-6651FEAEA859}"/>
+              </a:ext>
+            </a:extLst>
+          </p:cNvPr>
+          <p:cNvPicPr>
+            <a:picLocks noChangeAspect="1"/>
+          </p:cNvPicPr>
+          <p:nvPr/>
+        </p:nvPicPr>
+        <p:blipFill>
+          <a:blip r:embed="rId2"/>
+          <a:stretch>
+            <a:fillRect/>
+          </a:stretch>
+        </p:blipFill>
+        <p:spPr>
+          <a:xfrm>
+            <a:off x="706163" y="2158999"/>
+            <a:ext cx="6739665" cy="2246555"/>
+          </a:xfrm>
+          <a:prstGeom prst="rect">
+            <a:avLst/>
+          </a:prstGeom>
+        </p:spPr>
+      </p:pic>
       <p:sp>
         <p:nvSpPr>
           <p:cNvPr id="2" name="Title 1">
@@ -33644,35 +33982,6 @@
           </a:p>
         </p:txBody>
       </p:sp>
-      <p:pic>
-        <p:nvPicPr>
-          <p:cNvPr id="5" name="Content Placeholder 4" descr="Chunk in TCache Bin">
-            <a:extLst>
-              <a:ext uri="{FF2B5EF4-FFF2-40B4-BE49-F238E27FC236}">
-                <a16:creationId xmlns:a16="http://schemas.microsoft.com/office/drawing/2014/main" id="{C96B4C6C-21FD-1044-9919-EBC4A96C8A2F}"/>
-              </a:ext>
-            </a:extLst>
-          </p:cNvPr>
-          <p:cNvPicPr>
-            <a:picLocks noGrp="1" noChangeAspect="1"/>
-          </p:cNvPicPr>
-          <p:nvPr>
-            <p:ph idx="1"/>
-          </p:nvPr>
-        </p:nvPicPr>
-        <p:blipFill>
-          <a:blip r:embed="rId2"/>
-          <a:stretch>
-            <a:fillRect/>
-          </a:stretch>
-        </p:blipFill>
-        <p:spPr>
-          <a:xfrm>
-            <a:off x="2184181" y="2823560"/>
-            <a:ext cx="6959819" cy="2319940"/>
-          </a:xfrm>
-        </p:spPr>
-      </p:pic>
       <p:sp>
         <p:nvSpPr>
           <p:cNvPr id="6" name="Content Placeholder 2">
@@ -34311,8 +34620,8 @@
         </p:nvCxnSpPr>
         <p:spPr>
           <a:xfrm>
-            <a:off x="7598687" y="3144498"/>
-            <a:ext cx="648183" cy="0"/>
+            <a:off x="5898382" y="2473185"/>
+            <a:ext cx="753627" cy="0"/>
           </a:xfrm>
           <a:prstGeom prst="line">
             <a:avLst/>
@@ -34368,6 +34677,36 @@
           <a:chExt cx="0" cy="0"/>
         </a:xfrm>
       </p:grpSpPr>
+      <p:pic>
+        <p:nvPicPr>
+          <p:cNvPr id="10" name="Picture 9" descr="Diagram&#10;&#10;Description automatically generated">
+            <a:extLst>
+              <a:ext uri="{FF2B5EF4-FFF2-40B4-BE49-F238E27FC236}">
+                <a16:creationId xmlns:a16="http://schemas.microsoft.com/office/drawing/2014/main" id="{E2349B43-B81A-7E45-A4B0-4C5199CDB8D1}"/>
+              </a:ext>
+            </a:extLst>
+          </p:cNvPr>
+          <p:cNvPicPr>
+            <a:picLocks noChangeAspect="1"/>
+          </p:cNvPicPr>
+          <p:nvPr/>
+        </p:nvPicPr>
+        <p:blipFill>
+          <a:blip r:embed="rId2"/>
+          <a:stretch>
+            <a:fillRect/>
+          </a:stretch>
+        </p:blipFill>
+        <p:spPr>
+          <a:xfrm>
+            <a:off x="838065" y="2404310"/>
+            <a:ext cx="6686655" cy="2263175"/>
+          </a:xfrm>
+          <a:prstGeom prst="rect">
+            <a:avLst/>
+          </a:prstGeom>
+        </p:spPr>
+      </p:pic>
       <p:sp>
         <p:nvSpPr>
           <p:cNvPr id="2" name="Title 1">
@@ -35025,35 +35364,41 @@
           </a:p>
         </p:txBody>
       </p:sp>
-      <p:pic>
-        <p:nvPicPr>
-          <p:cNvPr id="11" name="Content Placeholder 10" descr="Diagram&#10;&#10;Description automatically generated">
+      <p:sp>
+        <p:nvSpPr>
+          <p:cNvPr id="9" name="TextBox 8">
             <a:extLst>
               <a:ext uri="{FF2B5EF4-FFF2-40B4-BE49-F238E27FC236}">
-                <a16:creationId xmlns:a16="http://schemas.microsoft.com/office/drawing/2014/main" id="{2F5A0DF1-29F7-5F49-B051-3EB57EEA6F1A}"/>
+                <a16:creationId xmlns:a16="http://schemas.microsoft.com/office/drawing/2014/main" id="{9FC870B5-F901-1946-93D1-291D9F5D735F}"/>
               </a:ext>
             </a:extLst>
           </p:cNvPr>
-          <p:cNvPicPr>
-            <a:picLocks noGrp="1" noChangeAspect="1"/>
-          </p:cNvPicPr>
-          <p:nvPr>
-            <p:ph idx="1"/>
-          </p:nvPr>
-        </p:nvPicPr>
-        <p:blipFill>
-          <a:blip r:embed="rId2"/>
-          <a:stretch>
-            <a:fillRect/>
-          </a:stretch>
-        </p:blipFill>
+          <p:cNvSpPr txBox="1"/>
+          <p:nvPr/>
+        </p:nvSpPr>
         <p:spPr>
           <a:xfrm>
-            <a:off x="942503" y="2367609"/>
-            <a:ext cx="8201497" cy="2775891"/>
+            <a:off x="920392" y="2387084"/>
+            <a:ext cx="568510" cy="369332"/>
           </a:xfrm>
+          <a:prstGeom prst="rect">
+            <a:avLst/>
+          </a:prstGeom>
+          <a:noFill/>
         </p:spPr>
-      </p:pic>
+        <p:txBody>
+          <a:bodyPr wrap="square" rtlCol="0">
+            <a:spAutoFit/>
+          </a:bodyPr>
+          <a:lstStyle/>
+          <a:p>
+            <a:r>
+              <a:rPr lang="en-US" dirty="0"/>
+              <a:t>Size</a:t>
+            </a:r>
+          </a:p>
+        </p:txBody>
+      </p:sp>
     </p:spTree>
     <p:extLst>
       <p:ext uri="{BB962C8B-B14F-4D97-AF65-F5344CB8AC3E}">
@@ -35718,21 +36063,54 @@
           </a:p>
         </p:txBody>
       </p:sp>
+      <p:sp>
+        <p:nvSpPr>
+          <p:cNvPr id="9" name="TextBox 8">
+            <a:extLst>
+              <a:ext uri="{FF2B5EF4-FFF2-40B4-BE49-F238E27FC236}">
+                <a16:creationId xmlns:a16="http://schemas.microsoft.com/office/drawing/2014/main" id="{5F8AD434-F609-554C-B341-784AF81348BB}"/>
+              </a:ext>
+            </a:extLst>
+          </p:cNvPr>
+          <p:cNvSpPr txBox="1"/>
+          <p:nvPr/>
+        </p:nvSpPr>
+        <p:spPr>
+          <a:xfrm>
+            <a:off x="1127925" y="2524145"/>
+            <a:ext cx="568510" cy="369332"/>
+          </a:xfrm>
+          <a:prstGeom prst="rect">
+            <a:avLst/>
+          </a:prstGeom>
+          <a:noFill/>
+        </p:spPr>
+        <p:txBody>
+          <a:bodyPr wrap="square" rtlCol="0">
+            <a:spAutoFit/>
+          </a:bodyPr>
+          <a:lstStyle/>
+          <a:p>
+            <a:r>
+              <a:rPr lang="en-US" dirty="0"/>
+              <a:t>Size</a:t>
+            </a:r>
+          </a:p>
+        </p:txBody>
+      </p:sp>
       <p:pic>
         <p:nvPicPr>
-          <p:cNvPr id="11" name="Content Placeholder 10" descr="Diagram&#10;&#10;Description automatically generated">
+          <p:cNvPr id="10" name="Picture 9" descr="Diagram&#10;&#10;Description automatically generated">
             <a:extLst>
               <a:ext uri="{FF2B5EF4-FFF2-40B4-BE49-F238E27FC236}">
-                <a16:creationId xmlns:a16="http://schemas.microsoft.com/office/drawing/2014/main" id="{2F5A0DF1-29F7-5F49-B051-3EB57EEA6F1A}"/>
+                <a16:creationId xmlns:a16="http://schemas.microsoft.com/office/drawing/2014/main" id="{A048F790-5A97-2349-BFE0-B00098A51E39}"/>
               </a:ext>
             </a:extLst>
           </p:cNvPr>
           <p:cNvPicPr>
-            <a:picLocks noGrp="1" noChangeAspect="1"/>
+            <a:picLocks noChangeAspect="1"/>
           </p:cNvPicPr>
-          <p:nvPr>
-            <p:ph idx="1"/>
-          </p:nvPr>
+          <p:nvPr/>
         </p:nvPicPr>
         <p:blipFill>
           <a:blip r:embed="rId2"/>
@@ -35742,9 +36120,12 @@
         </p:blipFill>
         <p:spPr>
           <a:xfrm>
-            <a:off x="942503" y="2367609"/>
-            <a:ext cx="8201497" cy="2775891"/>
+            <a:off x="838065" y="2404310"/>
+            <a:ext cx="6686655" cy="2263175"/>
           </a:xfrm>
+          <a:prstGeom prst="rect">
+            <a:avLst/>
+          </a:prstGeom>
         </p:spPr>
       </p:pic>
     </p:spTree>
@@ -35858,7 +36239,7 @@
             <p:ph idx="1"/>
             <p:extLst>
               <p:ext uri="{D42A27DB-BD31-4B8C-83A1-F6EECF244321}">
-                <p14:modId xmlns:p14="http://schemas.microsoft.com/office/powerpoint/2010/main" val="2357139343"/>
+                <p14:modId xmlns:p14="http://schemas.microsoft.com/office/powerpoint/2010/main" val="627752240"/>
               </p:ext>
             </p:extLst>
           </p:nvPr>
@@ -36057,6 +36438,36 @@
           </a:p>
         </p:txBody>
       </p:sp>
+      <p:pic>
+        <p:nvPicPr>
+          <p:cNvPr id="4" name="Content Placeholder 6" descr="Diagram&#10;&#10;Description automatically generated">
+            <a:extLst>
+              <a:ext uri="{FF2B5EF4-FFF2-40B4-BE49-F238E27FC236}">
+                <a16:creationId xmlns:a16="http://schemas.microsoft.com/office/drawing/2014/main" id="{663B7409-C1D9-8C48-B694-2E4F03FB7B11}"/>
+              </a:ext>
+            </a:extLst>
+          </p:cNvPr>
+          <p:cNvPicPr>
+            <a:picLocks noChangeAspect="1"/>
+          </p:cNvPicPr>
+          <p:nvPr/>
+        </p:nvPicPr>
+        <p:blipFill>
+          <a:blip r:embed="rId2"/>
+          <a:stretch>
+            <a:fillRect/>
+          </a:stretch>
+        </p:blipFill>
+        <p:spPr>
+          <a:xfrm>
+            <a:off x="3209588" y="3744398"/>
+            <a:ext cx="2200624" cy="1236541"/>
+          </a:xfrm>
+          <a:prstGeom prst="rect">
+            <a:avLst/>
+          </a:prstGeom>
+        </p:spPr>
+      </p:pic>
     </p:spTree>
     <p:extLst>
       <p:ext uri="{BB962C8B-B14F-4D97-AF65-F5344CB8AC3E}">
@@ -36138,7 +36549,7 @@
           <a:p>
             <a:r>
               <a:rPr lang="en-US" dirty="0"/>
-              <a:t>More Impactful Buffer Overflows</a:t>
+              <a:t>Just what it sounds like</a:t>
             </a:r>
           </a:p>
         </p:txBody>
@@ -36506,7 +36917,12 @@
               <a:rPr lang="en-US" dirty="0"/>
               <a:t> chunk</a:t>
             </a:r>
-            <a:endParaRPr lang="en-US" b="1" dirty="0"/>
+          </a:p>
+          <a:p>
+            <a:r>
+              <a:rPr lang="en-US" dirty="0"/>
+              <a:t>Look at malloc/frees sizes and locations!</a:t>
+            </a:r>
           </a:p>
           <a:p>
             <a:r>
@@ -36527,36 +36943,6 @@
           </a:p>
         </p:txBody>
       </p:sp>
-      <p:pic>
-        <p:nvPicPr>
-          <p:cNvPr id="5" name="Picture 4">
-            <a:extLst>
-              <a:ext uri="{FF2B5EF4-FFF2-40B4-BE49-F238E27FC236}">
-                <a16:creationId xmlns:a16="http://schemas.microsoft.com/office/drawing/2014/main" id="{50E318F9-08CA-834E-BF9B-74E896A2E26B}"/>
-              </a:ext>
-            </a:extLst>
-          </p:cNvPr>
-          <p:cNvPicPr>
-            <a:picLocks noChangeAspect="1"/>
-          </p:cNvPicPr>
-          <p:nvPr/>
-        </p:nvPicPr>
-        <p:blipFill>
-          <a:blip r:embed="rId2"/>
-          <a:stretch>
-            <a:fillRect/>
-          </a:stretch>
-        </p:blipFill>
-        <p:spPr>
-          <a:xfrm>
-            <a:off x="5002223" y="1268019"/>
-            <a:ext cx="3325473" cy="3117631"/>
-          </a:xfrm>
-          <a:prstGeom prst="rect">
-            <a:avLst/>
-          </a:prstGeom>
-        </p:spPr>
-      </p:pic>
       <p:sp>
         <p:nvSpPr>
           <p:cNvPr id="6" name="Content Placeholder 2">
@@ -36970,6 +37356,36 @@
           </a:p>
         </p:txBody>
       </p:sp>
+      <p:pic>
+        <p:nvPicPr>
+          <p:cNvPr id="8" name="Picture 7" descr="Overlapping chunks ordering starting point">
+            <a:extLst>
+              <a:ext uri="{FF2B5EF4-FFF2-40B4-BE49-F238E27FC236}">
+                <a16:creationId xmlns:a16="http://schemas.microsoft.com/office/drawing/2014/main" id="{2D118400-2917-AE47-B628-09BD09A07A36}"/>
+              </a:ext>
+            </a:extLst>
+          </p:cNvPr>
+          <p:cNvPicPr>
+            <a:picLocks noChangeAspect="1"/>
+          </p:cNvPicPr>
+          <p:nvPr/>
+        </p:nvPicPr>
+        <p:blipFill>
+          <a:blip r:embed="rId2"/>
+          <a:stretch>
+            <a:fillRect/>
+          </a:stretch>
+        </p:blipFill>
+        <p:spPr>
+          <a:xfrm>
+            <a:off x="5082451" y="1345323"/>
+            <a:ext cx="3277778" cy="3072917"/>
+          </a:xfrm>
+          <a:prstGeom prst="rect">
+            <a:avLst/>
+          </a:prstGeom>
+        </p:spPr>
+      </p:pic>
     </p:spTree>
     <p:extLst>
       <p:ext uri="{BB962C8B-B14F-4D97-AF65-F5344CB8AC3E}">
@@ -37002,10 +37418,10 @@
       </p:grpSpPr>
       <p:pic>
         <p:nvPicPr>
-          <p:cNvPr id="5" name="Picture 4" descr="Buffer oveflow in overlapping chunks challenge">
+          <p:cNvPr id="7" name="Picture 6" descr="Overlapping chunks POC buffer overflow">
             <a:extLst>
               <a:ext uri="{FF2B5EF4-FFF2-40B4-BE49-F238E27FC236}">
-                <a16:creationId xmlns:a16="http://schemas.microsoft.com/office/drawing/2014/main" id="{6D88D802-5578-2844-BC66-5D2CEDA13F05}"/>
+                <a16:creationId xmlns:a16="http://schemas.microsoft.com/office/drawing/2014/main" id="{D1FC0904-46FD-BA40-8D5E-1ECBE423E1E9}"/>
               </a:ext>
             </a:extLst>
           </p:cNvPr>
@@ -37022,8 +37438,8 @@
         </p:blipFill>
         <p:spPr>
           <a:xfrm>
-            <a:off x="4572000" y="1463458"/>
-            <a:ext cx="3717818" cy="3091659"/>
+            <a:off x="4692784" y="1000976"/>
+            <a:ext cx="4282728" cy="3606508"/>
           </a:xfrm>
           <a:prstGeom prst="rect">
             <a:avLst/>
@@ -37146,7 +37562,7 @@
         </p:nvSpPr>
         <p:spPr>
           <a:xfrm>
-            <a:off x="4518027" y="2496864"/>
+            <a:off x="4524296" y="2146081"/>
             <a:ext cx="1240220" cy="905599"/>
           </a:xfrm>
           <a:prstGeom prst="rect">
@@ -37414,7 +37830,7 @@
         </p:nvSpPr>
         <p:spPr>
           <a:xfrm>
-            <a:off x="5879750" y="3531704"/>
+            <a:off x="6311829" y="3456724"/>
             <a:ext cx="1388068" cy="535840"/>
           </a:xfrm>
           <a:prstGeom prst="rect">
@@ -37638,10 +38054,10 @@
       </p:grpSpPr>
       <p:pic>
         <p:nvPicPr>
-          <p:cNvPr id="5" name="Picture 4" descr="Buffer oveflow in overlapping chunks challenge">
+          <p:cNvPr id="10" name="Picture 9" descr="Overlapping chunks POC buffer overflow">
             <a:extLst>
               <a:ext uri="{FF2B5EF4-FFF2-40B4-BE49-F238E27FC236}">
-                <a16:creationId xmlns:a16="http://schemas.microsoft.com/office/drawing/2014/main" id="{6D88D802-5578-2844-BC66-5D2CEDA13F05}"/>
+                <a16:creationId xmlns:a16="http://schemas.microsoft.com/office/drawing/2014/main" id="{3F5EFAB8-EAC6-BF41-98B3-7F2CB5E0011B}"/>
               </a:ext>
             </a:extLst>
           </p:cNvPr>
@@ -37658,8 +38074,8 @@
         </p:blipFill>
         <p:spPr>
           <a:xfrm>
-            <a:off x="4572000" y="1463458"/>
-            <a:ext cx="3717818" cy="3091659"/>
+            <a:off x="4572000" y="1065039"/>
+            <a:ext cx="4282728" cy="3606508"/>
           </a:xfrm>
           <a:prstGeom prst="rect">
             <a:avLst/>
@@ -37781,7 +38197,7 @@
         </p:nvSpPr>
         <p:spPr>
           <a:xfrm>
-            <a:off x="4518027" y="2496864"/>
+            <a:off x="4523390" y="2222953"/>
             <a:ext cx="1240220" cy="905599"/>
           </a:xfrm>
           <a:prstGeom prst="rect">
@@ -38049,7 +38465,7 @@
         </p:nvSpPr>
         <p:spPr>
           <a:xfrm>
-            <a:off x="5879750" y="3531704"/>
+            <a:off x="6162205" y="3531704"/>
             <a:ext cx="1388068" cy="535840"/>
           </a:xfrm>
           <a:prstGeom prst="rect">
@@ -38271,6 +38687,36 @@
           <a:chExt cx="0" cy="0"/>
         </a:xfrm>
       </p:grpSpPr>
+      <p:pic>
+        <p:nvPicPr>
+          <p:cNvPr id="7" name="Picture 6" descr="Overlapping chunks ordering starting point">
+            <a:extLst>
+              <a:ext uri="{FF2B5EF4-FFF2-40B4-BE49-F238E27FC236}">
+                <a16:creationId xmlns:a16="http://schemas.microsoft.com/office/drawing/2014/main" id="{E4930FDD-EB3E-A54F-A6D1-CE0839084FB0}"/>
+              </a:ext>
+            </a:extLst>
+          </p:cNvPr>
+          <p:cNvPicPr>
+            <a:picLocks noChangeAspect="1"/>
+          </p:cNvPicPr>
+          <p:nvPr/>
+        </p:nvPicPr>
+        <p:blipFill>
+          <a:blip r:embed="rId2"/>
+          <a:stretch>
+            <a:fillRect/>
+          </a:stretch>
+        </p:blipFill>
+        <p:spPr>
+          <a:xfrm>
+            <a:off x="5082451" y="1345324"/>
+            <a:ext cx="3029649" cy="2840296"/>
+          </a:xfrm>
+          <a:prstGeom prst="rect">
+            <a:avLst/>
+          </a:prstGeom>
+        </p:spPr>
+      </p:pic>
       <p:sp>
         <p:nvSpPr>
           <p:cNvPr id="2" name="Title 1">
@@ -38344,36 +38790,6 @@
           </a:p>
         </p:txBody>
       </p:sp>
-      <p:pic>
-        <p:nvPicPr>
-          <p:cNvPr id="4" name="Picture 3">
-            <a:extLst>
-              <a:ext uri="{FF2B5EF4-FFF2-40B4-BE49-F238E27FC236}">
-                <a16:creationId xmlns:a16="http://schemas.microsoft.com/office/drawing/2014/main" id="{05E87420-716D-3544-B2E0-72DB6BAB6B84}"/>
-              </a:ext>
-            </a:extLst>
-          </p:cNvPr>
-          <p:cNvPicPr>
-            <a:picLocks noChangeAspect="1"/>
-          </p:cNvPicPr>
-          <p:nvPr/>
-        </p:nvPicPr>
-        <p:blipFill>
-          <a:blip r:embed="rId2"/>
-          <a:stretch>
-            <a:fillRect/>
-          </a:stretch>
-        </p:blipFill>
-        <p:spPr>
-          <a:xfrm>
-            <a:off x="5002223" y="1268019"/>
-            <a:ext cx="3325473" cy="3117631"/>
-          </a:xfrm>
-          <a:prstGeom prst="rect">
-            <a:avLst/>
-          </a:prstGeom>
-        </p:spPr>
-      </p:pic>
       <p:cxnSp>
         <p:nvCxnSpPr>
           <p:cNvPr id="6" name="Straight Connector 5">
@@ -38433,7 +38849,7 @@
         </p:nvCxnSpPr>
         <p:spPr>
           <a:xfrm>
-            <a:off x="4798672" y="1907627"/>
+            <a:off x="4846142" y="1846601"/>
             <a:ext cx="1013549" cy="394139"/>
           </a:xfrm>
           <a:prstGeom prst="line">
@@ -38476,7 +38892,7 @@
         </p:nvCxnSpPr>
         <p:spPr>
           <a:xfrm>
-            <a:off x="4352681" y="2375338"/>
+            <a:off x="4397148" y="2194441"/>
             <a:ext cx="1459540" cy="1008993"/>
           </a:xfrm>
           <a:prstGeom prst="line">
@@ -38519,7 +38935,7 @@
         </p:nvSpPr>
         <p:spPr>
           <a:xfrm>
-            <a:off x="6495743" y="3339641"/>
+            <a:off x="6425404" y="3203434"/>
             <a:ext cx="1388068" cy="535840"/>
           </a:xfrm>
           <a:prstGeom prst="rect">
@@ -38743,10 +39159,10 @@
       </p:grpSpPr>
       <p:pic>
         <p:nvPicPr>
-          <p:cNvPr id="7" name="Picture 6" descr="A picture containing diagram&#10;&#10;Description automatically generated">
+          <p:cNvPr id="5" name="Picture 4" descr="Free the 'second' chunk">
             <a:extLst>
               <a:ext uri="{FF2B5EF4-FFF2-40B4-BE49-F238E27FC236}">
-                <a16:creationId xmlns:a16="http://schemas.microsoft.com/office/drawing/2014/main" id="{31D1BBAC-48F7-2142-BFFD-3B95442C1B37}"/>
+                <a16:creationId xmlns:a16="http://schemas.microsoft.com/office/drawing/2014/main" id="{58B0997F-FD9F-6246-9528-DB15F4851ACF}"/>
               </a:ext>
             </a:extLst>
           </p:cNvPr>
@@ -38763,8 +39179,8 @@
         </p:blipFill>
         <p:spPr>
           <a:xfrm>
-            <a:off x="5082451" y="1341919"/>
-            <a:ext cx="3072848" cy="2880795"/>
+            <a:off x="5082451" y="1307584"/>
+            <a:ext cx="2988375" cy="2801602"/>
           </a:xfrm>
           <a:prstGeom prst="rect">
             <a:avLst/>
@@ -38917,7 +39333,7 @@
         </p:nvCxnSpPr>
         <p:spPr>
           <a:xfrm>
-            <a:off x="4352681" y="2296192"/>
+            <a:off x="4352681" y="2145453"/>
             <a:ext cx="1459540" cy="1008993"/>
           </a:xfrm>
           <a:prstGeom prst="line">
@@ -38960,7 +39376,7 @@
         </p:nvSpPr>
         <p:spPr>
           <a:xfrm>
-            <a:off x="6390639" y="3289101"/>
+            <a:off x="6380591" y="3154446"/>
             <a:ext cx="1388068" cy="535840"/>
           </a:xfrm>
           <a:prstGeom prst="rect">
@@ -39184,10 +39600,10 @@
       </p:grpSpPr>
       <p:pic>
         <p:nvPicPr>
-          <p:cNvPr id="16" name="Picture 15" descr="A picture containing table&#10;&#10;Description automatically generated">
+          <p:cNvPr id="5" name="Picture 4" descr="Diagram&#10;&#10;Description automatically generated with medium confidence">
             <a:extLst>
               <a:ext uri="{FF2B5EF4-FFF2-40B4-BE49-F238E27FC236}">
-                <a16:creationId xmlns:a16="http://schemas.microsoft.com/office/drawing/2014/main" id="{EBFFEDBC-01E6-2D4F-9858-A49D92DBBD56}"/>
+                <a16:creationId xmlns:a16="http://schemas.microsoft.com/office/drawing/2014/main" id="{05DA2165-811C-2843-B014-954D3BB9BC46}"/>
               </a:ext>
             </a:extLst>
           </p:cNvPr>
@@ -39204,8 +39620,8 @@
         </p:blipFill>
         <p:spPr>
           <a:xfrm>
-            <a:off x="5223640" y="1268019"/>
-            <a:ext cx="2610803" cy="3263504"/>
+            <a:off x="5029550" y="1374912"/>
+            <a:ext cx="2636915" cy="3296144"/>
           </a:xfrm>
           <a:prstGeom prst="rect">
             <a:avLst/>
@@ -39364,8 +39780,8 @@
         </p:nvCxnSpPr>
         <p:spPr>
           <a:xfrm>
-            <a:off x="4352681" y="2296192"/>
-            <a:ext cx="1459540" cy="587839"/>
+            <a:off x="4441371" y="2230713"/>
+            <a:ext cx="1353500" cy="792271"/>
           </a:xfrm>
           <a:prstGeom prst="line">
             <a:avLst/>
@@ -39407,8 +39823,8 @@
         </p:nvCxnSpPr>
         <p:spPr>
           <a:xfrm>
-            <a:off x="3601889" y="3210337"/>
-            <a:ext cx="2210332" cy="478794"/>
+            <a:off x="3680691" y="2993396"/>
+            <a:ext cx="2338272" cy="885389"/>
           </a:xfrm>
           <a:prstGeom prst="line">
             <a:avLst/>
@@ -39450,7 +39866,7 @@
         </p:nvSpPr>
         <p:spPr>
           <a:xfrm>
-            <a:off x="6200401" y="2868293"/>
+            <a:off x="6148680" y="2993396"/>
             <a:ext cx="1388068" cy="535840"/>
           </a:xfrm>
           <a:prstGeom prst="rect">
@@ -39674,10 +40090,10 @@
       </p:grpSpPr>
       <p:pic>
         <p:nvPicPr>
-          <p:cNvPr id="5" name="Picture 4" descr="Buffer oveflow in overlapping chunks challenge">
+          <p:cNvPr id="7" name="Picture 6" descr="Overlapping chunks POC buffer overflow">
             <a:extLst>
               <a:ext uri="{FF2B5EF4-FFF2-40B4-BE49-F238E27FC236}">
-                <a16:creationId xmlns:a16="http://schemas.microsoft.com/office/drawing/2014/main" id="{6D88D802-5578-2844-BC66-5D2CEDA13F05}"/>
+                <a16:creationId xmlns:a16="http://schemas.microsoft.com/office/drawing/2014/main" id="{0AD3DED3-A4A4-9A43-A20F-4F8118B9891D}"/>
               </a:ext>
             </a:extLst>
           </p:cNvPr>
@@ -39694,8 +40110,8 @@
         </p:blipFill>
         <p:spPr>
           <a:xfrm>
-            <a:off x="4572000" y="1463458"/>
-            <a:ext cx="3717818" cy="3091659"/>
+            <a:off x="4572000" y="1065039"/>
+            <a:ext cx="4282728" cy="3606508"/>
           </a:xfrm>
           <a:prstGeom prst="rect">
             <a:avLst/>
@@ -39800,7 +40216,7 @@
         </p:nvSpPr>
         <p:spPr>
           <a:xfrm>
-            <a:off x="4518027" y="2496864"/>
+            <a:off x="4434258" y="2194408"/>
             <a:ext cx="1240220" cy="905599"/>
           </a:xfrm>
           <a:prstGeom prst="rect">
@@ -40008,7 +40424,7 @@
         </p:nvSpPr>
         <p:spPr>
           <a:xfrm>
-            <a:off x="5879750" y="3531704"/>
+            <a:off x="6162205" y="3542621"/>
             <a:ext cx="1388068" cy="535840"/>
           </a:xfrm>
           <a:prstGeom prst="rect">
@@ -40232,10 +40648,10 @@
       </p:grpSpPr>
       <p:pic>
         <p:nvPicPr>
-          <p:cNvPr id="5" name="Picture 4" descr="Buffer oveflow in overlapping chunks challenge">
+          <p:cNvPr id="7" name="Picture 6" descr="Overlapping chunks POC buffer overflow">
             <a:extLst>
               <a:ext uri="{FF2B5EF4-FFF2-40B4-BE49-F238E27FC236}">
-                <a16:creationId xmlns:a16="http://schemas.microsoft.com/office/drawing/2014/main" id="{6D88D802-5578-2844-BC66-5D2CEDA13F05}"/>
+                <a16:creationId xmlns:a16="http://schemas.microsoft.com/office/drawing/2014/main" id="{58CB7DF2-3D44-1342-A675-3F2FDCED940E}"/>
               </a:ext>
             </a:extLst>
           </p:cNvPr>
@@ -40252,8 +40668,8 @@
         </p:blipFill>
         <p:spPr>
           <a:xfrm>
-            <a:off x="4572000" y="1463458"/>
-            <a:ext cx="3717818" cy="3091659"/>
+            <a:off x="4572000" y="1065039"/>
+            <a:ext cx="4282728" cy="3606508"/>
           </a:xfrm>
           <a:prstGeom prst="rect">
             <a:avLst/>
@@ -40361,7 +40777,7 @@
         </p:nvSpPr>
         <p:spPr>
           <a:xfrm>
-            <a:off x="4252695" y="2556487"/>
+            <a:off x="4333308" y="2250182"/>
             <a:ext cx="1546442" cy="905599"/>
           </a:xfrm>
           <a:prstGeom prst="rect">
@@ -40572,7 +40988,7 @@
         </p:nvSpPr>
         <p:spPr>
           <a:xfrm>
-            <a:off x="5879750" y="3531704"/>
+            <a:off x="6162205" y="3542621"/>
             <a:ext cx="1388068" cy="535840"/>
           </a:xfrm>
           <a:prstGeom prst="rect">
@@ -40890,6 +41306,36 @@
           <a:chExt cx="0" cy="0"/>
         </a:xfrm>
       </p:grpSpPr>
+      <p:pic>
+        <p:nvPicPr>
+          <p:cNvPr id="5" name="Picture 4" descr="Diagram&#10;&#10;Description automatically generated">
+            <a:extLst>
+              <a:ext uri="{FF2B5EF4-FFF2-40B4-BE49-F238E27FC236}">
+                <a16:creationId xmlns:a16="http://schemas.microsoft.com/office/drawing/2014/main" id="{D50E11A2-0DFE-1348-8D03-B61BD51EAE0A}"/>
+              </a:ext>
+            </a:extLst>
+          </p:cNvPr>
+          <p:cNvPicPr>
+            <a:picLocks noChangeAspect="1"/>
+          </p:cNvPicPr>
+          <p:nvPr/>
+        </p:nvPicPr>
+        <p:blipFill>
+          <a:blip r:embed="rId2"/>
+          <a:stretch>
+            <a:fillRect/>
+          </a:stretch>
+        </p:blipFill>
+        <p:spPr>
+          <a:xfrm>
+            <a:off x="4656083" y="1364397"/>
+            <a:ext cx="4296998" cy="3135648"/>
+          </a:xfrm>
+          <a:prstGeom prst="rect">
+            <a:avLst/>
+          </a:prstGeom>
+        </p:spPr>
+      </p:pic>
       <p:sp>
         <p:nvSpPr>
           <p:cNvPr id="2" name="Title 1">
@@ -41000,39 +41446,9 @@
           </a:p>
         </p:txBody>
       </p:sp>
-      <p:pic>
-        <p:nvPicPr>
-          <p:cNvPr id="7" name="Picture 6">
-            <a:extLst>
-              <a:ext uri="{FF2B5EF4-FFF2-40B4-BE49-F238E27FC236}">
-                <a16:creationId xmlns:a16="http://schemas.microsoft.com/office/drawing/2014/main" id="{6F006EE7-B8BB-2D4B-9B79-26EEA1EF2768}"/>
-              </a:ext>
-            </a:extLst>
-          </p:cNvPr>
-          <p:cNvPicPr>
-            <a:picLocks noChangeAspect="1"/>
-          </p:cNvPicPr>
-          <p:nvPr/>
-        </p:nvPicPr>
-        <p:blipFill>
-          <a:blip r:embed="rId2"/>
-          <a:stretch>
-            <a:fillRect/>
-          </a:stretch>
-        </p:blipFill>
-        <p:spPr>
-          <a:xfrm>
-            <a:off x="4572000" y="1343338"/>
-            <a:ext cx="4472210" cy="3263504"/>
-          </a:xfrm>
-          <a:prstGeom prst="rect">
-            <a:avLst/>
-          </a:prstGeom>
-        </p:spPr>
-      </p:pic>
       <p:sp>
         <p:nvSpPr>
-          <p:cNvPr id="9" name="Content Placeholder 2">
+          <p:cNvPr id="9" name="Content Placeholder 2" descr="Corrupting the size of the chunk">
             <a:extLst>
               <a:ext uri="{FF2B5EF4-FFF2-40B4-BE49-F238E27FC236}">
                 <a16:creationId xmlns:a16="http://schemas.microsoft.com/office/drawing/2014/main" id="{8F315AD3-3D19-0E4B-8388-935DC1685E19}"/>
@@ -41046,7 +41462,7 @@
         </p:nvSpPr>
         <p:spPr>
           <a:xfrm>
-            <a:off x="5869240" y="3342518"/>
+            <a:off x="6019965" y="3302325"/>
             <a:ext cx="1388068" cy="535840"/>
           </a:xfrm>
           <a:prstGeom prst="rect">
@@ -41254,7 +41670,7 @@
         </p:nvCxnSpPr>
         <p:spPr>
           <a:xfrm>
-            <a:off x="4493084" y="2571750"/>
+            <a:off x="4572000" y="2461218"/>
             <a:ext cx="909233" cy="0"/>
           </a:xfrm>
           <a:prstGeom prst="line">
@@ -41313,10 +41729,10 @@
       </p:grpSpPr>
       <p:pic>
         <p:nvPicPr>
-          <p:cNvPr id="5" name="Picture 4">
+          <p:cNvPr id="8" name="Picture 7" descr="Diagram&#10;&#10;Description automatically generated">
             <a:extLst>
               <a:ext uri="{FF2B5EF4-FFF2-40B4-BE49-F238E27FC236}">
-                <a16:creationId xmlns:a16="http://schemas.microsoft.com/office/drawing/2014/main" id="{FDAD90A8-5260-D347-AE7E-F6F0FCF6DEE2}"/>
+                <a16:creationId xmlns:a16="http://schemas.microsoft.com/office/drawing/2014/main" id="{F4A32A9D-B9D5-CA48-BE85-3386EAFBCC6F}"/>
               </a:ext>
             </a:extLst>
           </p:cNvPr>
@@ -41333,8 +41749,8 @@
         </p:blipFill>
         <p:spPr>
           <a:xfrm>
-            <a:off x="4729457" y="1453662"/>
-            <a:ext cx="4097438" cy="2850392"/>
+            <a:off x="4322117" y="1236541"/>
+            <a:ext cx="4821883" cy="3325437"/>
           </a:xfrm>
           <a:prstGeom prst="rect">
             <a:avLst/>
@@ -41469,7 +41885,7 @@
       </p:sp>
       <p:sp>
         <p:nvSpPr>
-          <p:cNvPr id="9" name="Content Placeholder 2">
+          <p:cNvPr id="9" name="Content Placeholder 2" descr="Allocate the overlapping chunk">
             <a:extLst>
               <a:ext uri="{FF2B5EF4-FFF2-40B4-BE49-F238E27FC236}">
                 <a16:creationId xmlns:a16="http://schemas.microsoft.com/office/drawing/2014/main" id="{8F315AD3-3D19-0E4B-8388-935DC1685E19}"/>
@@ -41483,7 +41899,7 @@
         </p:nvSpPr>
         <p:spPr>
           <a:xfrm>
-            <a:off x="5869240" y="3342518"/>
+            <a:off x="5728563" y="3161647"/>
             <a:ext cx="1388068" cy="535840"/>
           </a:xfrm>
           <a:prstGeom prst="rect">
@@ -41705,6 +42121,36 @@
           <a:chExt cx="0" cy="0"/>
         </a:xfrm>
       </p:grpSpPr>
+      <p:pic>
+        <p:nvPicPr>
+          <p:cNvPr id="9" name="Picture 8" descr="Overlapping chunks ordering starting point">
+            <a:extLst>
+              <a:ext uri="{FF2B5EF4-FFF2-40B4-BE49-F238E27FC236}">
+                <a16:creationId xmlns:a16="http://schemas.microsoft.com/office/drawing/2014/main" id="{1674BAAC-27C6-1649-A02C-81905E004D30}"/>
+              </a:ext>
+            </a:extLst>
+          </p:cNvPr>
+          <p:cNvPicPr>
+            <a:picLocks noChangeAspect="1"/>
+          </p:cNvPicPr>
+          <p:nvPr/>
+        </p:nvPicPr>
+        <p:blipFill>
+          <a:blip r:embed="rId2"/>
+          <a:stretch>
+            <a:fillRect/>
+          </a:stretch>
+        </p:blipFill>
+        <p:spPr>
+          <a:xfrm>
+            <a:off x="5082451" y="1345324"/>
+            <a:ext cx="3029649" cy="2840296"/>
+          </a:xfrm>
+          <a:prstGeom prst="rect">
+            <a:avLst/>
+          </a:prstGeom>
+        </p:spPr>
+      </p:pic>
       <p:sp>
         <p:nvSpPr>
           <p:cNvPr id="2" name="Title 1">
@@ -41778,36 +42224,6 @@
           </a:p>
         </p:txBody>
       </p:sp>
-      <p:pic>
-        <p:nvPicPr>
-          <p:cNvPr id="4" name="Picture 3">
-            <a:extLst>
-              <a:ext uri="{FF2B5EF4-FFF2-40B4-BE49-F238E27FC236}">
-                <a16:creationId xmlns:a16="http://schemas.microsoft.com/office/drawing/2014/main" id="{05E87420-716D-3544-B2E0-72DB6BAB6B84}"/>
-              </a:ext>
-            </a:extLst>
-          </p:cNvPr>
-          <p:cNvPicPr>
-            <a:picLocks noChangeAspect="1"/>
-          </p:cNvPicPr>
-          <p:nvPr/>
-        </p:nvPicPr>
-        <p:blipFill>
-          <a:blip r:embed="rId2"/>
-          <a:stretch>
-            <a:fillRect/>
-          </a:stretch>
-        </p:blipFill>
-        <p:spPr>
-          <a:xfrm>
-            <a:off x="5002223" y="1268019"/>
-            <a:ext cx="3325473" cy="3117631"/>
-          </a:xfrm>
-          <a:prstGeom prst="rect">
-            <a:avLst/>
-          </a:prstGeom>
-        </p:spPr>
-      </p:pic>
       <p:cxnSp>
         <p:nvCxnSpPr>
           <p:cNvPr id="6" name="Straight Connector 5">
@@ -42177,10 +42593,10 @@
       </p:grpSpPr>
       <p:pic>
         <p:nvPicPr>
-          <p:cNvPr id="8" name="Picture 7">
+          <p:cNvPr id="9" name="Picture 8" descr="Diagram&#10;&#10;Description automatically generated">
             <a:extLst>
               <a:ext uri="{FF2B5EF4-FFF2-40B4-BE49-F238E27FC236}">
-                <a16:creationId xmlns:a16="http://schemas.microsoft.com/office/drawing/2014/main" id="{C88E2F67-D241-1547-990D-C6B7B4458839}"/>
+                <a16:creationId xmlns:a16="http://schemas.microsoft.com/office/drawing/2014/main" id="{A83ACEF1-1051-2C44-91FF-1621E65F35F2}"/>
               </a:ext>
             </a:extLst>
           </p:cNvPr>
@@ -42197,8 +42613,8 @@
         </p:blipFill>
         <p:spPr>
           <a:xfrm>
-            <a:off x="4671790" y="1345324"/>
-            <a:ext cx="4472210" cy="3263504"/>
+            <a:off x="4656083" y="1364397"/>
+            <a:ext cx="4296998" cy="3135648"/>
           </a:xfrm>
           <a:prstGeom prst="rect">
             <a:avLst/>
@@ -42394,7 +42810,7 @@
         </p:nvSpPr>
         <p:spPr>
           <a:xfrm>
-            <a:off x="6390639" y="3289101"/>
+            <a:off x="6038947" y="3288044"/>
             <a:ext cx="1388068" cy="535840"/>
           </a:xfrm>
           <a:prstGeom prst="rect">
@@ -42618,10 +43034,10 @@
       </p:grpSpPr>
       <p:pic>
         <p:nvPicPr>
-          <p:cNvPr id="5" name="Picture 4" descr="Diagram&#10;&#10;Description automatically generated">
+          <p:cNvPr id="9" name="Picture 8" descr="Overwrite the string after allocating the chunk">
             <a:extLst>
               <a:ext uri="{FF2B5EF4-FFF2-40B4-BE49-F238E27FC236}">
-                <a16:creationId xmlns:a16="http://schemas.microsoft.com/office/drawing/2014/main" id="{2B1B3970-A805-A743-AEF2-6E48B9F6D210}"/>
+                <a16:creationId xmlns:a16="http://schemas.microsoft.com/office/drawing/2014/main" id="{36FB621D-6F02-9545-9D5D-8DFB5C16A1FC}"/>
               </a:ext>
             </a:extLst>
           </p:cNvPr>
@@ -42638,8 +43054,8 @@
         </p:blipFill>
         <p:spPr>
           <a:xfrm>
-            <a:off x="4352689" y="1345323"/>
-            <a:ext cx="4791312" cy="3333087"/>
+            <a:off x="5029550" y="1345324"/>
+            <a:ext cx="3993832" cy="2754367"/>
           </a:xfrm>
           <a:prstGeom prst="rect">
             <a:avLst/>
@@ -42734,7 +43150,7 @@
           <a:p>
             <a:r>
               <a:rPr lang="en-US" dirty="0"/>
-              <a:t>Malloc(0x150 – 0x10) </a:t>
+              <a:t>Fourth = Malloc(0x150 – 0x10) </a:t>
             </a:r>
           </a:p>
         </p:txBody>
@@ -42799,7 +43215,7 @@
         <p:spPr>
           <a:xfrm>
             <a:off x="4040554" y="2407138"/>
-            <a:ext cx="1183086" cy="898770"/>
+            <a:ext cx="1676958" cy="553992"/>
           </a:xfrm>
           <a:prstGeom prst="line">
             <a:avLst/>
@@ -42841,8 +43257,8 @@
         </p:nvCxnSpPr>
         <p:spPr>
           <a:xfrm flipV="1">
-            <a:off x="3601889" y="2484444"/>
-            <a:ext cx="1621751" cy="725894"/>
+            <a:off x="3245618" y="2230714"/>
+            <a:ext cx="2566603" cy="730416"/>
           </a:xfrm>
           <a:prstGeom prst="line">
             <a:avLst/>
@@ -42884,7 +43300,7 @@
         </p:nvSpPr>
         <p:spPr>
           <a:xfrm>
-            <a:off x="5911231" y="3563862"/>
+            <a:off x="6135186" y="2961130"/>
             <a:ext cx="1388068" cy="535840"/>
           </a:xfrm>
           <a:prstGeom prst="rect">
@@ -43141,37 +43557,6 @@
           </a:p>
         </p:txBody>
       </p:sp>
-      <p:pic>
-        <p:nvPicPr>
-          <p:cNvPr id="5" name="Picture 4" descr="Diagram&#10;&#10;Description automatically generated">
-            <a:extLst>
-              <a:ext uri="{FF2B5EF4-FFF2-40B4-BE49-F238E27FC236}">
-                <a16:creationId xmlns:a16="http://schemas.microsoft.com/office/drawing/2014/main" id="{9B70B62A-88B1-D643-ADC0-2C7A973431B2}"/>
-              </a:ext>
-            </a:extLst>
-          </p:cNvPr>
-          <p:cNvPicPr>
-            <a:picLocks noChangeAspect="1"/>
-          </p:cNvPicPr>
-          <p:nvPr/>
-        </p:nvPicPr>
-        <p:blipFill>
-          <a:blip r:embed="rId2"/>
-          <a:stretch>
-            <a:fillRect/>
-          </a:stretch>
-        </p:blipFill>
-        <p:spPr>
-          <a:xfrm>
-            <a:off x="628650" y="1646689"/>
-            <a:ext cx="3886200" cy="2708563"/>
-          </a:xfrm>
-          <a:prstGeom prst="rect">
-            <a:avLst/>
-          </a:prstGeom>
-          <a:noFill/>
-        </p:spPr>
-      </p:pic>
       <p:sp>
         <p:nvSpPr>
           <p:cNvPr id="3" name="Content Placeholder 2">
@@ -43219,6 +43604,36 @@
           </a:p>
         </p:txBody>
       </p:sp>
+      <p:pic>
+        <p:nvPicPr>
+          <p:cNvPr id="7" name="Picture 6" descr="Overlapping Bill Gates string with Steve Jobs">
+            <a:extLst>
+              <a:ext uri="{FF2B5EF4-FFF2-40B4-BE49-F238E27FC236}">
+                <a16:creationId xmlns:a16="http://schemas.microsoft.com/office/drawing/2014/main" id="{46F02D8E-292F-B147-A3C6-3E033AD2C433}"/>
+              </a:ext>
+            </a:extLst>
+          </p:cNvPr>
+          <p:cNvPicPr>
+            <a:picLocks noChangeAspect="1"/>
+          </p:cNvPicPr>
+          <p:nvPr/>
+        </p:nvPicPr>
+        <p:blipFill>
+          <a:blip r:embed="rId2"/>
+          <a:stretch>
+            <a:fillRect/>
+          </a:stretch>
+        </p:blipFill>
+        <p:spPr>
+          <a:xfrm>
+            <a:off x="238090" y="1369219"/>
+            <a:ext cx="4193233" cy="2891885"/>
+          </a:xfrm>
+          <a:prstGeom prst="rect">
+            <a:avLst/>
+          </a:prstGeom>
+        </p:spPr>
+      </p:pic>
     </p:spTree>
     <p:extLst>
       <p:ext uri="{BB962C8B-B14F-4D97-AF65-F5344CB8AC3E}">
@@ -43417,7 +43832,7 @@
             <p:ph idx="1"/>
             <p:extLst>
               <p:ext uri="{D42A27DB-BD31-4B8C-83A1-F6EECF244321}">
-                <p14:modId xmlns:p14="http://schemas.microsoft.com/office/powerpoint/2010/main" val="1143406653"/>
+                <p14:modId xmlns:p14="http://schemas.microsoft.com/office/powerpoint/2010/main" val="3669986406"/>
               </p:ext>
             </p:extLst>
           </p:nvPr>
@@ -43709,7 +44124,7 @@
             <p:ph idx="1"/>
             <p:extLst>
               <p:ext uri="{D42A27DB-BD31-4B8C-83A1-F6EECF244321}">
-                <p14:modId xmlns:p14="http://schemas.microsoft.com/office/powerpoint/2010/main" val="2574753958"/>
+                <p14:modId xmlns:p14="http://schemas.microsoft.com/office/powerpoint/2010/main" val="3429456384"/>
               </p:ext>
             </p:extLst>
           </p:nvPr>
@@ -43759,7 +44174,7 @@
           <p:cNvPr id="2" name="Title 1">
             <a:extLst>
               <a:ext uri="{FF2B5EF4-FFF2-40B4-BE49-F238E27FC236}">
-                <a16:creationId xmlns:a16="http://schemas.microsoft.com/office/drawing/2014/main" id="{D3226B31-8E27-9B42-BD86-BB21545EE327}"/>
+                <a16:creationId xmlns:a16="http://schemas.microsoft.com/office/drawing/2014/main" id="{05CD4975-5B8A-C44E-A113-1CE454F6340C}"/>
               </a:ext>
             </a:extLst>
           </p:cNvPr>
@@ -43777,17 +44192,17 @@
           <a:p>
             <a:r>
               <a:rPr lang="en-US" dirty="0"/>
-              <a:t>Multiple Versions of This</a:t>
+              <a:t>Attack Strategy Visual – 1 </a:t>
             </a:r>
           </a:p>
         </p:txBody>
       </p:sp>
       <p:sp>
         <p:nvSpPr>
-          <p:cNvPr id="3" name="Content Placeholder 2">
+          <p:cNvPr id="4" name="Content Placeholder 3">
             <a:extLst>
               <a:ext uri="{FF2B5EF4-FFF2-40B4-BE49-F238E27FC236}">
-                <a16:creationId xmlns:a16="http://schemas.microsoft.com/office/drawing/2014/main" id="{74482978-8512-934C-89F9-3C551896ECDF}"/>
+                <a16:creationId xmlns:a16="http://schemas.microsoft.com/office/drawing/2014/main" id="{C896892F-3793-C644-AEB7-304C9A9B9C91}"/>
               </a:ext>
             </a:extLst>
           </p:cNvPr>
@@ -43795,73 +44210,74 @@
             <a:spLocks noGrp="1"/>
           </p:cNvSpPr>
           <p:nvPr>
-            <p:ph idx="1"/>
+            <p:ph sz="half" idx="2"/>
           </p:nvPr>
         </p:nvSpPr>
-        <p:spPr/>
+        <p:spPr>
+          <a:xfrm>
+            <a:off x="628650" y="1508115"/>
+            <a:ext cx="3886200" cy="3263504"/>
+          </a:xfrm>
+        </p:spPr>
         <p:txBody>
           <a:bodyPr/>
           <a:lstStyle/>
           <a:p>
             <a:r>
-              <a:rPr lang="en-US" b="1" dirty="0"/>
-              <a:t>TCache (No Validations): </a:t>
-            </a:r>
-          </a:p>
-          <a:p>
-            <a:pPr lvl="1"/>
-            <a:r>
-              <a:rPr lang="en-US" b="1" dirty="0"/>
-              <a:t>Focus of this workshop</a:t>
-            </a:r>
-            <a:endParaRPr lang="en-US" dirty="0"/>
-          </a:p>
-          <a:p>
-            <a:r>
-              <a:rPr lang="en-US" dirty="0" err="1"/>
-              <a:t>Fastbin</a:t>
-            </a:r>
-            <a:r>
               <a:rPr lang="en-US" dirty="0"/>
-              <a:t> (</a:t>
-            </a:r>
-            <a:r>
-              <a:rPr lang="en-US" dirty="0" err="1"/>
-              <a:t>SomeValidations</a:t>
-            </a:r>
-            <a:r>
-              <a:rPr lang="en-US" dirty="0"/>
-              <a:t>) </a:t>
+              <a:t>Three chunks all in a row of the same size</a:t>
             </a:r>
           </a:p>
           <a:p>
             <a:r>
               <a:rPr lang="en-US" dirty="0"/>
-              <a:t>Unsorted Bin/Large bin/Small Bin (Lots of validations)</a:t>
+              <a:t>What if we changed the </a:t>
             </a:r>
-          </a:p>
-          <a:p>
             <a:r>
-              <a:rPr lang="en-US" dirty="0"/>
-              <a:t>Shrinking to Overlap</a:t>
-            </a:r>
-          </a:p>
-          <a:p>
-            <a:r>
-              <a:rPr lang="en-US" dirty="0" err="1"/>
-              <a:t>Mmap</a:t>
+              <a:rPr lang="en-US" b="1" i="1" dirty="0"/>
+              <a:t>size </a:t>
             </a:r>
             <a:r>
               <a:rPr lang="en-US" dirty="0"/>
-              <a:t> Chunks (No Validations) </a:t>
+              <a:t>of one of the chunks? </a:t>
             </a:r>
+            <a:endParaRPr lang="en-US" b="1" i="1" dirty="0"/>
           </a:p>
         </p:txBody>
       </p:sp>
+      <p:pic>
+        <p:nvPicPr>
+          <p:cNvPr id="10" name="Content Placeholder 9" descr="Table&#10;&#10;Description automatically generated">
+            <a:extLst>
+              <a:ext uri="{FF2B5EF4-FFF2-40B4-BE49-F238E27FC236}">
+                <a16:creationId xmlns:a16="http://schemas.microsoft.com/office/drawing/2014/main" id="{EB1DF44C-8573-B047-932B-0096F0ABF5AE}"/>
+              </a:ext>
+            </a:extLst>
+          </p:cNvPr>
+          <p:cNvPicPr>
+            <a:picLocks noGrp="1" noChangeAspect="1"/>
+          </p:cNvPicPr>
+          <p:nvPr>
+            <p:ph sz="half" idx="1"/>
+          </p:nvPr>
+        </p:nvPicPr>
+        <p:blipFill>
+          <a:blip r:embed="rId2"/>
+          <a:stretch>
+            <a:fillRect/>
+          </a:stretch>
+        </p:blipFill>
+        <p:spPr>
+          <a:xfrm>
+            <a:off x="5605282" y="1145894"/>
+            <a:ext cx="2754156" cy="3442695"/>
+          </a:xfrm>
+        </p:spPr>
+      </p:pic>
     </p:spTree>
     <p:extLst>
       <p:ext uri="{BB962C8B-B14F-4D97-AF65-F5344CB8AC3E}">
-        <p14:creationId xmlns:p14="http://schemas.microsoft.com/office/powerpoint/2010/main" val="1887160673"/>
+        <p14:creationId xmlns:p14="http://schemas.microsoft.com/office/powerpoint/2010/main" val="2593410451"/>
       </p:ext>
     </p:extLst>
   </p:cSld>
@@ -43872,7 +44288,7 @@
 </file>
 
 <file path=ppt/slides/slide40.xml><?xml version="1.0" encoding="utf-8"?>
-<p:sld xmlns:a="http://schemas.openxmlformats.org/drawingml/2006/main" xmlns:r="http://schemas.openxmlformats.org/officeDocument/2006/relationships" xmlns:p="http://schemas.openxmlformats.org/presentationml/2006/main">
+<p:sld xmlns:a="http://schemas.openxmlformats.org/drawingml/2006/main" xmlns:r="http://schemas.openxmlformats.org/officeDocument/2006/relationships" xmlns:p="http://schemas.openxmlformats.org/presentationml/2006/main" show="0">
   <p:cSld>
     <p:spTree>
       <p:nvGrpSpPr>
@@ -44013,7 +44429,7 @@
 </file>
 
 <file path=ppt/slides/slide41.xml><?xml version="1.0" encoding="utf-8"?>
-<p:sld xmlns:a="http://schemas.openxmlformats.org/drawingml/2006/main" xmlns:r="http://schemas.openxmlformats.org/officeDocument/2006/relationships" xmlns:p="http://schemas.openxmlformats.org/presentationml/2006/main">
+<p:sld xmlns:a="http://schemas.openxmlformats.org/drawingml/2006/main" xmlns:r="http://schemas.openxmlformats.org/officeDocument/2006/relationships" xmlns:p="http://schemas.openxmlformats.org/presentationml/2006/main" show="0">
   <p:cSld>
     <p:spTree>
       <p:nvGrpSpPr>
@@ -45154,141 +45570,6 @@
           <a:p>
             <a:r>
               <a:rPr lang="en-US" dirty="0"/>
-              <a:t>Attack Strategy Visual – 1 </a:t>
-            </a:r>
-          </a:p>
-        </p:txBody>
-      </p:sp>
-      <p:sp>
-        <p:nvSpPr>
-          <p:cNvPr id="4" name="Content Placeholder 3">
-            <a:extLst>
-              <a:ext uri="{FF2B5EF4-FFF2-40B4-BE49-F238E27FC236}">
-                <a16:creationId xmlns:a16="http://schemas.microsoft.com/office/drawing/2014/main" id="{C896892F-3793-C644-AEB7-304C9A9B9C91}"/>
-              </a:ext>
-            </a:extLst>
-          </p:cNvPr>
-          <p:cNvSpPr>
-            <a:spLocks noGrp="1"/>
-          </p:cNvSpPr>
-          <p:nvPr>
-            <p:ph sz="half" idx="2"/>
-          </p:nvPr>
-        </p:nvSpPr>
-        <p:spPr>
-          <a:xfrm>
-            <a:off x="628650" y="1508115"/>
-            <a:ext cx="3886200" cy="3263504"/>
-          </a:xfrm>
-        </p:spPr>
-        <p:txBody>
-          <a:bodyPr/>
-          <a:lstStyle/>
-          <a:p>
-            <a:r>
-              <a:rPr lang="en-US" dirty="0"/>
-              <a:t>Three chunks all in a row of the same size</a:t>
-            </a:r>
-          </a:p>
-          <a:p>
-            <a:r>
-              <a:rPr lang="en-US" dirty="0"/>
-              <a:t>What if we changed the </a:t>
-            </a:r>
-            <a:r>
-              <a:rPr lang="en-US" b="1" i="1" dirty="0"/>
-              <a:t>size </a:t>
-            </a:r>
-            <a:r>
-              <a:rPr lang="en-US" dirty="0"/>
-              <a:t>of one of the chunks? </a:t>
-            </a:r>
-            <a:endParaRPr lang="en-US" b="1" i="1" dirty="0"/>
-          </a:p>
-        </p:txBody>
-      </p:sp>
-      <p:pic>
-        <p:nvPicPr>
-          <p:cNvPr id="10" name="Content Placeholder 9" descr="Table&#10;&#10;Description automatically generated">
-            <a:extLst>
-              <a:ext uri="{FF2B5EF4-FFF2-40B4-BE49-F238E27FC236}">
-                <a16:creationId xmlns:a16="http://schemas.microsoft.com/office/drawing/2014/main" id="{EB1DF44C-8573-B047-932B-0096F0ABF5AE}"/>
-              </a:ext>
-            </a:extLst>
-          </p:cNvPr>
-          <p:cNvPicPr>
-            <a:picLocks noGrp="1" noChangeAspect="1"/>
-          </p:cNvPicPr>
-          <p:nvPr>
-            <p:ph sz="half" idx="1"/>
-          </p:nvPr>
-        </p:nvPicPr>
-        <p:blipFill>
-          <a:blip r:embed="rId2"/>
-          <a:stretch>
-            <a:fillRect/>
-          </a:stretch>
-        </p:blipFill>
-        <p:spPr>
-          <a:xfrm>
-            <a:off x="5605282" y="1145894"/>
-            <a:ext cx="2754156" cy="3442695"/>
-          </a:xfrm>
-        </p:spPr>
-      </p:pic>
-    </p:spTree>
-    <p:extLst>
-      <p:ext uri="{BB962C8B-B14F-4D97-AF65-F5344CB8AC3E}">
-        <p14:creationId xmlns:p14="http://schemas.microsoft.com/office/powerpoint/2010/main" val="2593410451"/>
-      </p:ext>
-    </p:extLst>
-  </p:cSld>
-  <p:clrMapOvr>
-    <a:masterClrMapping/>
-  </p:clrMapOvr>
-</p:sld>
-</file>
-
-<file path=ppt/slides/slide6.xml><?xml version="1.0" encoding="utf-8"?>
-<p:sld xmlns:a="http://schemas.openxmlformats.org/drawingml/2006/main" xmlns:r="http://schemas.openxmlformats.org/officeDocument/2006/relationships" xmlns:p="http://schemas.openxmlformats.org/presentationml/2006/main">
-  <p:cSld>
-    <p:spTree>
-      <p:nvGrpSpPr>
-        <p:cNvPr id="1" name=""/>
-        <p:cNvGrpSpPr/>
-        <p:nvPr/>
-      </p:nvGrpSpPr>
-      <p:grpSpPr>
-        <a:xfrm>
-          <a:off x="0" y="0"/>
-          <a:ext cx="0" cy="0"/>
-          <a:chOff x="0" y="0"/>
-          <a:chExt cx="0" cy="0"/>
-        </a:xfrm>
-      </p:grpSpPr>
-      <p:sp>
-        <p:nvSpPr>
-          <p:cNvPr id="2" name="Title 1">
-            <a:extLst>
-              <a:ext uri="{FF2B5EF4-FFF2-40B4-BE49-F238E27FC236}">
-                <a16:creationId xmlns:a16="http://schemas.microsoft.com/office/drawing/2014/main" id="{05CD4975-5B8A-C44E-A113-1CE454F6340C}"/>
-              </a:ext>
-            </a:extLst>
-          </p:cNvPr>
-          <p:cNvSpPr>
-            <a:spLocks noGrp="1"/>
-          </p:cNvSpPr>
-          <p:nvPr>
-            <p:ph type="title"/>
-          </p:nvPr>
-        </p:nvSpPr>
-        <p:spPr/>
-        <p:txBody>
-          <a:bodyPr/>
-          <a:lstStyle/>
-          <a:p>
-            <a:r>
-              <a:rPr lang="en-US" dirty="0"/>
               <a:t>Attack Strategy Visual – 2 </a:t>
             </a:r>
           </a:p>
@@ -45379,6 +45660,132 @@
 </p:sld>
 </file>
 
+<file path=ppt/slides/slide6.xml><?xml version="1.0" encoding="utf-8"?>
+<p:sld xmlns:a="http://schemas.openxmlformats.org/drawingml/2006/main" xmlns:r="http://schemas.openxmlformats.org/officeDocument/2006/relationships" xmlns:p="http://schemas.openxmlformats.org/presentationml/2006/main">
+  <p:cSld>
+    <p:spTree>
+      <p:nvGrpSpPr>
+        <p:cNvPr id="1" name=""/>
+        <p:cNvGrpSpPr/>
+        <p:nvPr/>
+      </p:nvGrpSpPr>
+      <p:grpSpPr>
+        <a:xfrm>
+          <a:off x="0" y="0"/>
+          <a:ext cx="0" cy="0"/>
+          <a:chOff x="0" y="0"/>
+          <a:chExt cx="0" cy="0"/>
+        </a:xfrm>
+      </p:grpSpPr>
+      <p:sp>
+        <p:nvSpPr>
+          <p:cNvPr id="2" name="Title 1">
+            <a:extLst>
+              <a:ext uri="{FF2B5EF4-FFF2-40B4-BE49-F238E27FC236}">
+                <a16:creationId xmlns:a16="http://schemas.microsoft.com/office/drawing/2014/main" id="{D3226B31-8E27-9B42-BD86-BB21545EE327}"/>
+              </a:ext>
+            </a:extLst>
+          </p:cNvPr>
+          <p:cNvSpPr>
+            <a:spLocks noGrp="1"/>
+          </p:cNvSpPr>
+          <p:nvPr>
+            <p:ph type="title"/>
+          </p:nvPr>
+        </p:nvSpPr>
+        <p:spPr/>
+        <p:txBody>
+          <a:bodyPr/>
+          <a:lstStyle/>
+          <a:p>
+            <a:r>
+              <a:rPr lang="en-US" dirty="0"/>
+              <a:t>Multiple Variations of Attack</a:t>
+            </a:r>
+          </a:p>
+        </p:txBody>
+      </p:sp>
+      <p:sp>
+        <p:nvSpPr>
+          <p:cNvPr id="3" name="Content Placeholder 2">
+            <a:extLst>
+              <a:ext uri="{FF2B5EF4-FFF2-40B4-BE49-F238E27FC236}">
+                <a16:creationId xmlns:a16="http://schemas.microsoft.com/office/drawing/2014/main" id="{74482978-8512-934C-89F9-3C551896ECDF}"/>
+              </a:ext>
+            </a:extLst>
+          </p:cNvPr>
+          <p:cNvSpPr>
+            <a:spLocks noGrp="1"/>
+          </p:cNvSpPr>
+          <p:nvPr>
+            <p:ph idx="1"/>
+          </p:nvPr>
+        </p:nvSpPr>
+        <p:spPr/>
+        <p:txBody>
+          <a:bodyPr/>
+          <a:lstStyle/>
+          <a:p>
+            <a:r>
+              <a:rPr lang="en-US" b="1" dirty="0"/>
+              <a:t>TCache (No Validations): </a:t>
+            </a:r>
+          </a:p>
+          <a:p>
+            <a:pPr lvl="1"/>
+            <a:r>
+              <a:rPr lang="en-US" b="1" dirty="0"/>
+              <a:t>Focus of this workshop</a:t>
+            </a:r>
+            <a:endParaRPr lang="en-US" dirty="0"/>
+          </a:p>
+          <a:p>
+            <a:r>
+              <a:rPr lang="en-US" dirty="0" err="1"/>
+              <a:t>Fastbin</a:t>
+            </a:r>
+            <a:r>
+              <a:rPr lang="en-US" dirty="0"/>
+              <a:t> (Some Validations) </a:t>
+            </a:r>
+          </a:p>
+          <a:p>
+            <a:r>
+              <a:rPr lang="en-US" dirty="0"/>
+              <a:t>Unsorted Bin/Large bin/Small Bin (Lots of validations)</a:t>
+            </a:r>
+          </a:p>
+          <a:p>
+            <a:r>
+              <a:rPr lang="en-US" dirty="0"/>
+              <a:t>Shrinking to Overlap</a:t>
+            </a:r>
+          </a:p>
+          <a:p>
+            <a:r>
+              <a:rPr lang="en-US" dirty="0" err="1"/>
+              <a:t>Mmap</a:t>
+            </a:r>
+            <a:r>
+              <a:rPr lang="en-US" dirty="0"/>
+              <a:t> Chunks (No Validations) </a:t>
+            </a:r>
+          </a:p>
+        </p:txBody>
+      </p:sp>
+    </p:spTree>
+    <p:extLst>
+      <p:ext uri="{BB962C8B-B14F-4D97-AF65-F5344CB8AC3E}">
+        <p14:creationId xmlns:p14="http://schemas.microsoft.com/office/powerpoint/2010/main" val="1887160673"/>
+      </p:ext>
+    </p:extLst>
+  </p:cSld>
+  <p:clrMapOvr>
+    <a:masterClrMapping/>
+  </p:clrMapOvr>
+</p:sld>
+</file>
+
 <file path=ppt/slides/slide7.xml><?xml version="1.0" encoding="utf-8"?>
 <p:sld xmlns:a="http://schemas.openxmlformats.org/drawingml/2006/main" xmlns:r="http://schemas.openxmlformats.org/officeDocument/2006/relationships" xmlns:p="http://schemas.openxmlformats.org/presentationml/2006/main">
   <p:cSld>
@@ -45419,7 +45826,7 @@
           <a:p>
             <a:r>
               <a:rPr lang="en-US" dirty="0"/>
-              <a:t>Chunk Structure Overview</a:t>
+              <a:t>Chunk Structure Review</a:t>
             </a:r>
           </a:p>
         </p:txBody>
@@ -45507,9 +45914,9 @@
           <p:nvPr/>
         </p:nvCxnSpPr>
         <p:spPr>
-          <a:xfrm>
-            <a:off x="2973054" y="2571750"/>
-            <a:ext cx="1880857" cy="0"/>
+          <a:xfrm flipV="1">
+            <a:off x="3042210" y="2571750"/>
+            <a:ext cx="1022643" cy="1"/>
           </a:xfrm>
           <a:prstGeom prst="line">
             <a:avLst/>
@@ -45656,7 +46063,7 @@
           <p:nvPr/>
         </p:nvPicPr>
         <p:blipFill>
-          <a:blip r:embed="rId2"/>
+          <a:blip r:embed="rId3"/>
           <a:stretch>
             <a:fillRect/>
           </a:stretch>
@@ -45753,14 +46160,14 @@
             <p:ph idx="1"/>
             <p:extLst>
               <p:ext uri="{D42A27DB-BD31-4B8C-83A1-F6EECF244321}">
-                <p14:modId xmlns:p14="http://schemas.microsoft.com/office/powerpoint/2010/main" val="1222872993"/>
+                <p14:modId xmlns:p14="http://schemas.microsoft.com/office/powerpoint/2010/main" val="4168971031"/>
               </p:ext>
             </p:extLst>
           </p:nvPr>
         </p:nvGraphicFramePr>
         <p:xfrm>
-          <a:off x="628650" y="1236541"/>
-          <a:ext cx="7886700" cy="3263504"/>
+          <a:off x="568619" y="945136"/>
+          <a:ext cx="8444752" cy="4026433"/>
         </p:xfrm>
         <a:graphic>
           <a:graphicData uri="http://schemas.openxmlformats.org/drawingml/2006/diagram">
